--- a/docs/img/graphx_figures.pptx
+++ b/docs/img/graphx_figures.pptx
@@ -4,6 +4,9 @@
   <p:sldMasterIdLst>
     <p:sldMasterId id="2147483648" r:id="rId1"/>
   </p:sldMasterIdLst>
+  <p:notesMasterIdLst>
+    <p:notesMasterId r:id="rId10"/>
+  </p:notesMasterIdLst>
   <p:sldIdLst>
     <p:sldId id="256" r:id="rId2"/>
     <p:sldId id="257" r:id="rId3"/>
@@ -574,11 +577,11 @@
         </c:dLbls>
         <c:gapWidth val="100"/>
         <c:overlap val="100"/>
-        <c:axId val="1762796136"/>
-        <c:axId val="1762783688"/>
+        <c:axId val="-2070089768"/>
+        <c:axId val="-2070086552"/>
       </c:barChart>
       <c:catAx>
-        <c:axId val="1762796136"/>
+        <c:axId val="-2070089768"/>
         <c:scaling>
           <c:orientation val="minMax"/>
         </c:scaling>
@@ -597,7 +600,7 @@
             <a:endParaRPr lang="en-US"/>
           </a:p>
         </c:txPr>
-        <c:crossAx val="1762783688"/>
+        <c:crossAx val="-2070086552"/>
         <c:crosses val="autoZero"/>
         <c:auto val="1"/>
         <c:lblAlgn val="ctr"/>
@@ -605,7 +608,7 @@
         <c:noMultiLvlLbl val="0"/>
       </c:catAx>
       <c:valAx>
-        <c:axId val="1762783688"/>
+        <c:axId val="-2070086552"/>
         <c:scaling>
           <c:orientation val="minMax"/>
         </c:scaling>
@@ -653,7 +656,7 @@
             <a:endParaRPr lang="en-US"/>
           </a:p>
         </c:txPr>
-        <c:crossAx val="1762796136"/>
+        <c:crossAx val="-2070089768"/>
         <c:crosses val="autoZero"/>
         <c:crossBetween val="between"/>
         <c:majorUnit val="200.0"/>
@@ -681,6 +684,440 @@
     <c:autoUpdate val="0"/>
   </c:externalData>
 </c:chartSpace>
+</file>
+
+<file path=ppt/notesMasters/notesMaster1.xml><?xml version="1.0" encoding="utf-8"?>
+<p:notesMaster xmlns:a="http://schemas.openxmlformats.org/drawingml/2006/main" xmlns:r="http://schemas.openxmlformats.org/officeDocument/2006/relationships" xmlns:p="http://schemas.openxmlformats.org/presentationml/2006/main">
+  <p:cSld>
+    <p:bg>
+      <p:bgRef idx="1001">
+        <a:schemeClr val="bg1"/>
+      </p:bgRef>
+    </p:bg>
+    <p:spTree>
+      <p:nvGrpSpPr>
+        <p:cNvPr id="1" name=""/>
+        <p:cNvGrpSpPr/>
+        <p:nvPr/>
+      </p:nvGrpSpPr>
+      <p:grpSpPr>
+        <a:xfrm>
+          <a:off x="0" y="0"/>
+          <a:ext cx="0" cy="0"/>
+          <a:chOff x="0" y="0"/>
+          <a:chExt cx="0" cy="0"/>
+        </a:xfrm>
+      </p:grpSpPr>
+      <p:sp>
+        <p:nvSpPr>
+          <p:cNvPr id="2" name="Header Placeholder 1"/>
+          <p:cNvSpPr>
+            <a:spLocks noGrp="1"/>
+          </p:cNvSpPr>
+          <p:nvPr>
+            <p:ph type="hdr" sz="quarter"/>
+          </p:nvPr>
+        </p:nvSpPr>
+        <p:spPr>
+          <a:xfrm>
+            <a:off x="0" y="0"/>
+            <a:ext cx="2971800" cy="457200"/>
+          </a:xfrm>
+          <a:prstGeom prst="rect">
+            <a:avLst/>
+          </a:prstGeom>
+        </p:spPr>
+        <p:txBody>
+          <a:bodyPr vert="horz" lIns="91440" tIns="45720" rIns="91440" bIns="45720" rtlCol="0"/>
+          <a:lstStyle>
+            <a:lvl1pPr algn="l">
+              <a:defRPr sz="1200"/>
+            </a:lvl1pPr>
+          </a:lstStyle>
+          <a:p>
+            <a:endParaRPr lang="en-US"/>
+          </a:p>
+        </p:txBody>
+      </p:sp>
+      <p:sp>
+        <p:nvSpPr>
+          <p:cNvPr id="3" name="Date Placeholder 2"/>
+          <p:cNvSpPr>
+            <a:spLocks noGrp="1"/>
+          </p:cNvSpPr>
+          <p:nvPr>
+            <p:ph type="dt" idx="1"/>
+          </p:nvPr>
+        </p:nvSpPr>
+        <p:spPr>
+          <a:xfrm>
+            <a:off x="3884613" y="0"/>
+            <a:ext cx="2971800" cy="457200"/>
+          </a:xfrm>
+          <a:prstGeom prst="rect">
+            <a:avLst/>
+          </a:prstGeom>
+        </p:spPr>
+        <p:txBody>
+          <a:bodyPr vert="horz" lIns="91440" tIns="45720" rIns="91440" bIns="45720" rtlCol="0"/>
+          <a:lstStyle>
+            <a:lvl1pPr algn="r">
+              <a:defRPr sz="1200"/>
+            </a:lvl1pPr>
+          </a:lstStyle>
+          <a:p>
+            <a:fld id="{FAB1E048-4332-8C4A-AAA6-85670467F3CA}" type="datetimeFigureOut">
+              <a:rPr lang="en-US" smtClean="0"/>
+              <a:t>1/10/14</a:t>
+            </a:fld>
+            <a:endParaRPr lang="en-US"/>
+          </a:p>
+        </p:txBody>
+      </p:sp>
+      <p:sp>
+        <p:nvSpPr>
+          <p:cNvPr id="4" name="Slide Image Placeholder 3"/>
+          <p:cNvSpPr>
+            <a:spLocks noGrp="1" noRot="1" noChangeAspect="1"/>
+          </p:cNvSpPr>
+          <p:nvPr>
+            <p:ph type="sldImg" idx="2"/>
+          </p:nvPr>
+        </p:nvSpPr>
+        <p:spPr>
+          <a:xfrm>
+            <a:off x="1143000" y="685800"/>
+            <a:ext cx="4572000" cy="3429000"/>
+          </a:xfrm>
+          <a:prstGeom prst="rect">
+            <a:avLst/>
+          </a:prstGeom>
+          <a:noFill/>
+          <a:ln w="12700">
+            <a:solidFill>
+              <a:prstClr val="black"/>
+            </a:solidFill>
+          </a:ln>
+        </p:spPr>
+        <p:txBody>
+          <a:bodyPr vert="horz" lIns="91440" tIns="45720" rIns="91440" bIns="45720" rtlCol="0" anchor="ctr"/>
+          <a:lstStyle/>
+          <a:p>
+            <a:endParaRPr lang="en-US"/>
+          </a:p>
+        </p:txBody>
+      </p:sp>
+      <p:sp>
+        <p:nvSpPr>
+          <p:cNvPr id="5" name="Notes Placeholder 4"/>
+          <p:cNvSpPr>
+            <a:spLocks noGrp="1"/>
+          </p:cNvSpPr>
+          <p:nvPr>
+            <p:ph type="body" sz="quarter" idx="3"/>
+          </p:nvPr>
+        </p:nvSpPr>
+        <p:spPr>
+          <a:xfrm>
+            <a:off x="685800" y="4343400"/>
+            <a:ext cx="5486400" cy="4114800"/>
+          </a:xfrm>
+          <a:prstGeom prst="rect">
+            <a:avLst/>
+          </a:prstGeom>
+        </p:spPr>
+        <p:txBody>
+          <a:bodyPr vert="horz" lIns="91440" tIns="45720" rIns="91440" bIns="45720" rtlCol="0"/>
+          <a:lstStyle/>
+          <a:p>
+            <a:pPr lvl="0"/>
+            <a:r>
+              <a:rPr lang="en-US" smtClean="0"/>
+              <a:t>Click to edit Master text styles</a:t>
+            </a:r>
+          </a:p>
+          <a:p>
+            <a:pPr lvl="1"/>
+            <a:r>
+              <a:rPr lang="en-US" smtClean="0"/>
+              <a:t>Second level</a:t>
+            </a:r>
+          </a:p>
+          <a:p>
+            <a:pPr lvl="2"/>
+            <a:r>
+              <a:rPr lang="en-US" smtClean="0"/>
+              <a:t>Third level</a:t>
+            </a:r>
+          </a:p>
+          <a:p>
+            <a:pPr lvl="3"/>
+            <a:r>
+              <a:rPr lang="en-US" smtClean="0"/>
+              <a:t>Fourth level</a:t>
+            </a:r>
+          </a:p>
+          <a:p>
+            <a:pPr lvl="4"/>
+            <a:r>
+              <a:rPr lang="en-US" smtClean="0"/>
+              <a:t>Fifth level</a:t>
+            </a:r>
+            <a:endParaRPr lang="en-US"/>
+          </a:p>
+        </p:txBody>
+      </p:sp>
+      <p:sp>
+        <p:nvSpPr>
+          <p:cNvPr id="6" name="Footer Placeholder 5"/>
+          <p:cNvSpPr>
+            <a:spLocks noGrp="1"/>
+          </p:cNvSpPr>
+          <p:nvPr>
+            <p:ph type="ftr" sz="quarter" idx="4"/>
+          </p:nvPr>
+        </p:nvSpPr>
+        <p:spPr>
+          <a:xfrm>
+            <a:off x="0" y="8685213"/>
+            <a:ext cx="2971800" cy="457200"/>
+          </a:xfrm>
+          <a:prstGeom prst="rect">
+            <a:avLst/>
+          </a:prstGeom>
+        </p:spPr>
+        <p:txBody>
+          <a:bodyPr vert="horz" lIns="91440" tIns="45720" rIns="91440" bIns="45720" rtlCol="0" anchor="b"/>
+          <a:lstStyle>
+            <a:lvl1pPr algn="l">
+              <a:defRPr sz="1200"/>
+            </a:lvl1pPr>
+          </a:lstStyle>
+          <a:p>
+            <a:endParaRPr lang="en-US"/>
+          </a:p>
+        </p:txBody>
+      </p:sp>
+      <p:sp>
+        <p:nvSpPr>
+          <p:cNvPr id="7" name="Slide Number Placeholder 6"/>
+          <p:cNvSpPr>
+            <a:spLocks noGrp="1"/>
+          </p:cNvSpPr>
+          <p:nvPr>
+            <p:ph type="sldNum" sz="quarter" idx="5"/>
+          </p:nvPr>
+        </p:nvSpPr>
+        <p:spPr>
+          <a:xfrm>
+            <a:off x="3884613" y="8685213"/>
+            <a:ext cx="2971800" cy="457200"/>
+          </a:xfrm>
+          <a:prstGeom prst="rect">
+            <a:avLst/>
+          </a:prstGeom>
+        </p:spPr>
+        <p:txBody>
+          <a:bodyPr vert="horz" lIns="91440" tIns="45720" rIns="91440" bIns="45720" rtlCol="0" anchor="b"/>
+          <a:lstStyle>
+            <a:lvl1pPr algn="r">
+              <a:defRPr sz="1200"/>
+            </a:lvl1pPr>
+          </a:lstStyle>
+          <a:p>
+            <a:fld id="{95E3A3AE-A197-6E41-940C-D7CD5B8989AE}" type="slidenum">
+              <a:rPr lang="en-US" smtClean="0"/>
+              <a:t>‹#›</a:t>
+            </a:fld>
+            <a:endParaRPr lang="en-US"/>
+          </a:p>
+        </p:txBody>
+      </p:sp>
+    </p:spTree>
+    <p:extLst>
+      <p:ext uri="{BB962C8B-B14F-4D97-AF65-F5344CB8AC3E}">
+        <p14:creationId xmlns:p14="http://schemas.microsoft.com/office/powerpoint/2010/main" val="612268162"/>
+      </p:ext>
+    </p:extLst>
+  </p:cSld>
+  <p:clrMap bg1="lt1" tx1="dk1" bg2="lt2" tx2="dk2" accent1="accent1" accent2="accent2" accent3="accent3" accent4="accent4" accent5="accent5" accent6="accent6" hlink="hlink" folHlink="folHlink"/>
+  <p:notesStyle>
+    <a:lvl1pPr marL="0" algn="l" defTabSz="457200" rtl="0" eaLnBrk="1" latinLnBrk="0" hangingPunct="1">
+      <a:defRPr sz="1200" kern="1200">
+        <a:solidFill>
+          <a:schemeClr val="tx1"/>
+        </a:solidFill>
+        <a:latin typeface="+mn-lt"/>
+        <a:ea typeface="+mn-ea"/>
+        <a:cs typeface="+mn-cs"/>
+      </a:defRPr>
+    </a:lvl1pPr>
+    <a:lvl2pPr marL="457200" algn="l" defTabSz="457200" rtl="0" eaLnBrk="1" latinLnBrk="0" hangingPunct="1">
+      <a:defRPr sz="1200" kern="1200">
+        <a:solidFill>
+          <a:schemeClr val="tx1"/>
+        </a:solidFill>
+        <a:latin typeface="+mn-lt"/>
+        <a:ea typeface="+mn-ea"/>
+        <a:cs typeface="+mn-cs"/>
+      </a:defRPr>
+    </a:lvl2pPr>
+    <a:lvl3pPr marL="914400" algn="l" defTabSz="457200" rtl="0" eaLnBrk="1" latinLnBrk="0" hangingPunct="1">
+      <a:defRPr sz="1200" kern="1200">
+        <a:solidFill>
+          <a:schemeClr val="tx1"/>
+        </a:solidFill>
+        <a:latin typeface="+mn-lt"/>
+        <a:ea typeface="+mn-ea"/>
+        <a:cs typeface="+mn-cs"/>
+      </a:defRPr>
+    </a:lvl3pPr>
+    <a:lvl4pPr marL="1371600" algn="l" defTabSz="457200" rtl="0" eaLnBrk="1" latinLnBrk="0" hangingPunct="1">
+      <a:defRPr sz="1200" kern="1200">
+        <a:solidFill>
+          <a:schemeClr val="tx1"/>
+        </a:solidFill>
+        <a:latin typeface="+mn-lt"/>
+        <a:ea typeface="+mn-ea"/>
+        <a:cs typeface="+mn-cs"/>
+      </a:defRPr>
+    </a:lvl4pPr>
+    <a:lvl5pPr marL="1828800" algn="l" defTabSz="457200" rtl="0" eaLnBrk="1" latinLnBrk="0" hangingPunct="1">
+      <a:defRPr sz="1200" kern="1200">
+        <a:solidFill>
+          <a:schemeClr val="tx1"/>
+        </a:solidFill>
+        <a:latin typeface="+mn-lt"/>
+        <a:ea typeface="+mn-ea"/>
+        <a:cs typeface="+mn-cs"/>
+      </a:defRPr>
+    </a:lvl5pPr>
+    <a:lvl6pPr marL="2286000" algn="l" defTabSz="457200" rtl="0" eaLnBrk="1" latinLnBrk="0" hangingPunct="1">
+      <a:defRPr sz="1200" kern="1200">
+        <a:solidFill>
+          <a:schemeClr val="tx1"/>
+        </a:solidFill>
+        <a:latin typeface="+mn-lt"/>
+        <a:ea typeface="+mn-ea"/>
+        <a:cs typeface="+mn-cs"/>
+      </a:defRPr>
+    </a:lvl6pPr>
+    <a:lvl7pPr marL="2743200" algn="l" defTabSz="457200" rtl="0" eaLnBrk="1" latinLnBrk="0" hangingPunct="1">
+      <a:defRPr sz="1200" kern="1200">
+        <a:solidFill>
+          <a:schemeClr val="tx1"/>
+        </a:solidFill>
+        <a:latin typeface="+mn-lt"/>
+        <a:ea typeface="+mn-ea"/>
+        <a:cs typeface="+mn-cs"/>
+      </a:defRPr>
+    </a:lvl7pPr>
+    <a:lvl8pPr marL="3200400" algn="l" defTabSz="457200" rtl="0" eaLnBrk="1" latinLnBrk="0" hangingPunct="1">
+      <a:defRPr sz="1200" kern="1200">
+        <a:solidFill>
+          <a:schemeClr val="tx1"/>
+        </a:solidFill>
+        <a:latin typeface="+mn-lt"/>
+        <a:ea typeface="+mn-ea"/>
+        <a:cs typeface="+mn-cs"/>
+      </a:defRPr>
+    </a:lvl8pPr>
+    <a:lvl9pPr marL="3657600" algn="l" defTabSz="457200" rtl="0" eaLnBrk="1" latinLnBrk="0" hangingPunct="1">
+      <a:defRPr sz="1200" kern="1200">
+        <a:solidFill>
+          <a:schemeClr val="tx1"/>
+        </a:solidFill>
+        <a:latin typeface="+mn-lt"/>
+        <a:ea typeface="+mn-ea"/>
+        <a:cs typeface="+mn-cs"/>
+      </a:defRPr>
+    </a:lvl9pPr>
+  </p:notesStyle>
+</p:notesMaster>
+</file>
+
+<file path=ppt/notesSlides/notesSlide1.xml><?xml version="1.0" encoding="utf-8"?>
+<p:notes xmlns:a="http://schemas.openxmlformats.org/drawingml/2006/main" xmlns:r="http://schemas.openxmlformats.org/officeDocument/2006/relationships" xmlns:p="http://schemas.openxmlformats.org/presentationml/2006/main">
+  <p:cSld>
+    <p:spTree>
+      <p:nvGrpSpPr>
+        <p:cNvPr id="1" name=""/>
+        <p:cNvGrpSpPr/>
+        <p:nvPr/>
+      </p:nvGrpSpPr>
+      <p:grpSpPr>
+        <a:xfrm>
+          <a:off x="0" y="0"/>
+          <a:ext cx="0" cy="0"/>
+          <a:chOff x="0" y="0"/>
+          <a:chExt cx="0" cy="0"/>
+        </a:xfrm>
+      </p:grpSpPr>
+      <p:sp>
+        <p:nvSpPr>
+          <p:cNvPr id="2" name="Slide Image Placeholder 1"/>
+          <p:cNvSpPr>
+            <a:spLocks noGrp="1" noRot="1" noChangeAspect="1"/>
+          </p:cNvSpPr>
+          <p:nvPr>
+            <p:ph type="sldImg"/>
+          </p:nvPr>
+        </p:nvSpPr>
+        <p:spPr/>
+      </p:sp>
+      <p:sp>
+        <p:nvSpPr>
+          <p:cNvPr id="3" name="Notes Placeholder 2"/>
+          <p:cNvSpPr>
+            <a:spLocks noGrp="1"/>
+          </p:cNvSpPr>
+          <p:nvPr>
+            <p:ph type="body" idx="1"/>
+          </p:nvPr>
+        </p:nvSpPr>
+        <p:spPr/>
+        <p:txBody>
+          <a:bodyPr/>
+          <a:lstStyle/>
+          <a:p>
+            <a:endParaRPr lang="en-US" dirty="0"/>
+          </a:p>
+        </p:txBody>
+      </p:sp>
+      <p:sp>
+        <p:nvSpPr>
+          <p:cNvPr id="4" name="Slide Number Placeholder 3"/>
+          <p:cNvSpPr>
+            <a:spLocks noGrp="1"/>
+          </p:cNvSpPr>
+          <p:nvPr>
+            <p:ph type="sldNum" sz="quarter" idx="10"/>
+          </p:nvPr>
+        </p:nvSpPr>
+        <p:spPr/>
+        <p:txBody>
+          <a:bodyPr/>
+          <a:lstStyle/>
+          <a:p>
+            <a:fld id="{95E3A3AE-A197-6E41-940C-D7CD5B8989AE}" type="slidenum">
+              <a:rPr lang="en-US" smtClean="0"/>
+              <a:t>4</a:t>
+            </a:fld>
+            <a:endParaRPr lang="en-US"/>
+          </a:p>
+        </p:txBody>
+      </p:sp>
+    </p:spTree>
+    <p:extLst>
+      <p:ext uri="{BB962C8B-B14F-4D97-AF65-F5344CB8AC3E}">
+        <p14:creationId xmlns:p14="http://schemas.microsoft.com/office/powerpoint/2010/main" val="4121109518"/>
+      </p:ext>
+    </p:extLst>
+  </p:cSld>
+  <p:clrMapOvr>
+    <a:masterClrMapping/>
+  </p:clrMapOvr>
+</p:notes>
 </file>
 
 <file path=ppt/slideLayouts/slideLayout1.xml><?xml version="1.0" encoding="utf-8"?>
@@ -13892,13 +14329,13 @@
           <p:nvPr>
             <p:extLst>
               <p:ext uri="{D42A27DB-BD31-4B8C-83A1-F6EECF244321}">
-                <p14:modId xmlns:p14="http://schemas.microsoft.com/office/powerpoint/2010/main" val="413038649"/>
+                <p14:modId xmlns:p14="http://schemas.microsoft.com/office/powerpoint/2010/main" val="574869770"/>
               </p:ext>
             </p:extLst>
           </p:nvPr>
         </p:nvGraphicFramePr>
         <p:xfrm>
-          <a:off x="4896425" y="1668872"/>
+          <a:off x="4614225" y="1668872"/>
           <a:ext cx="1357777" cy="1981200"/>
         </p:xfrm>
         <a:graphic>
@@ -13939,34 +14376,11 @@
                     <a:p>
                       <a:pPr algn="ctr"/>
                       <a:r>
-                        <a:rPr lang="en-US" sz="2000" dirty="0" err="1" smtClean="0">
+                        <a:rPr lang="en-US" sz="2000" dirty="0" smtClean="0">
                           <a:latin typeface="Gill Sans Light"/>
                           <a:cs typeface="Gill Sans Light"/>
                         </a:rPr>
-                        <a:t>Rxin</a:t>
-                      </a:r>
-                      <a:endParaRPr lang="en-US" sz="2000" dirty="0">
-                        <a:latin typeface="Gill Sans Light"/>
-                        <a:cs typeface="Gill Sans Light"/>
-                      </a:endParaRPr>
-                    </a:p>
-                  </a:txBody>
-                  <a:tcPr/>
-                </a:tc>
-              </a:tr>
-              <a:tr h="314960">
-                <a:tc>
-                  <a:txBody>
-                    <a:bodyPr/>
-                    <a:lstStyle/>
-                    <a:p>
-                      <a:pPr algn="ctr"/>
-                      <a:r>
-                        <a:rPr lang="en-US" sz="2000" dirty="0" err="1" smtClean="0">
-                          <a:latin typeface="Gill Sans Light"/>
-                          <a:cs typeface="Gill Sans Light"/>
-                        </a:rPr>
-                        <a:t>Jegonzal</a:t>
+                        <a:t>3</a:t>
                       </a:r>
                       <a:endParaRPr lang="en-US" sz="2000" dirty="0">
                         <a:latin typeface="Gill Sans Light"/>
@@ -13989,7 +14403,7 @@
                           <a:latin typeface="Gill Sans Light"/>
                           <a:cs typeface="Gill Sans Light"/>
                         </a:rPr>
-                        <a:t>Franklin</a:t>
+                        <a:t>7</a:t>
                       </a:r>
                       <a:endParaRPr lang="en-US" sz="2000" dirty="0">
                         <a:latin typeface="Gill Sans Light"/>
@@ -14008,11 +14422,34 @@
                     <a:p>
                       <a:pPr algn="ctr"/>
                       <a:r>
-                        <a:rPr lang="en-US" sz="2000" dirty="0" err="1" smtClean="0">
+                        <a:rPr lang="en-US" sz="2000" dirty="0" smtClean="0">
                           <a:latin typeface="Gill Sans Light"/>
                           <a:cs typeface="Gill Sans Light"/>
                         </a:rPr>
-                        <a:t>Istoica</a:t>
+                        <a:t>5</a:t>
+                      </a:r>
+                      <a:endParaRPr lang="en-US" sz="2000" dirty="0">
+                        <a:latin typeface="Gill Sans Light"/>
+                        <a:cs typeface="Gill Sans Light"/>
+                      </a:endParaRPr>
+                    </a:p>
+                  </a:txBody>
+                  <a:tcPr/>
+                </a:tc>
+              </a:tr>
+              <a:tr h="314960">
+                <a:tc>
+                  <a:txBody>
+                    <a:bodyPr/>
+                    <a:lstStyle/>
+                    <a:p>
+                      <a:pPr algn="ctr"/>
+                      <a:r>
+                        <a:rPr lang="en-US" sz="2000" dirty="0" smtClean="0">
+                          <a:latin typeface="Gill Sans Light"/>
+                          <a:cs typeface="Gill Sans Light"/>
+                        </a:rPr>
+                        <a:t>2</a:t>
                       </a:r>
                       <a:endParaRPr lang="en-US" sz="2000" dirty="0">
                         <a:latin typeface="Gill Sans Light"/>
@@ -14036,7 +14473,7 @@
           <p:nvPr>
             <p:extLst>
               <p:ext uri="{D42A27DB-BD31-4B8C-83A1-F6EECF244321}">
-                <p14:modId xmlns:p14="http://schemas.microsoft.com/office/powerpoint/2010/main" val="3638461655"/>
+                <p14:modId xmlns:p14="http://schemas.microsoft.com/office/powerpoint/2010/main" val="433184115"/>
               </p:ext>
             </p:extLst>
           </p:nvPr>
@@ -14109,7 +14546,7 @@
                           <a:latin typeface="Gill Sans Light"/>
                           <a:cs typeface="Gill Sans Light"/>
                         </a:rPr>
-                        <a:t>rxin</a:t>
+                        <a:t>3</a:t>
                       </a:r>
                       <a:endParaRPr lang="en-US" sz="2000" dirty="0">
                         <a:latin typeface="Gill Sans Light"/>
@@ -14130,7 +14567,7 @@
                           <a:latin typeface="Gill Sans Light"/>
                           <a:cs typeface="Gill Sans Light"/>
                         </a:rPr>
-                        <a:t>jegonzal</a:t>
+                        <a:t>7</a:t>
                       </a:r>
                       <a:endParaRPr lang="en-US" sz="2000" dirty="0">
                         <a:latin typeface="Gill Sans Light"/>
@@ -14153,7 +14590,7 @@
                           <a:latin typeface="Gill Sans Light"/>
                           <a:cs typeface="Gill Sans Light"/>
                         </a:rPr>
-                        <a:t>franklin</a:t>
+                        <a:t>5</a:t>
                       </a:r>
                       <a:endParaRPr lang="en-US" sz="2000" dirty="0">
                         <a:latin typeface="Gill Sans Light"/>
@@ -14174,7 +14611,7 @@
                           <a:latin typeface="Gill Sans Light"/>
                           <a:cs typeface="Gill Sans Light"/>
                         </a:rPr>
-                        <a:t>rxin</a:t>
+                        <a:t>3</a:t>
                       </a:r>
                       <a:endParaRPr lang="en-US" sz="2000" dirty="0">
                         <a:latin typeface="Gill Sans Light"/>
@@ -14197,7 +14634,7 @@
                           <a:latin typeface="Gill Sans Light"/>
                           <a:cs typeface="Gill Sans Light"/>
                         </a:rPr>
-                        <a:t>istoica</a:t>
+                        <a:t>2</a:t>
                       </a:r>
                       <a:endParaRPr lang="en-US" sz="2000" dirty="0">
                         <a:latin typeface="Gill Sans Light"/>
@@ -14218,7 +14655,7 @@
                           <a:latin typeface="Gill Sans Light"/>
                           <a:cs typeface="Gill Sans Light"/>
                         </a:rPr>
-                        <a:t>franklin</a:t>
+                        <a:t>5</a:t>
                       </a:r>
                       <a:endParaRPr lang="en-US" sz="2000" dirty="0">
                         <a:latin typeface="Gill Sans Light"/>
@@ -14241,7 +14678,7 @@
                           <a:latin typeface="Gill Sans Light"/>
                           <a:cs typeface="Gill Sans Light"/>
                         </a:rPr>
-                        <a:t>franklin</a:t>
+                        <a:t>5</a:t>
                       </a:r>
                       <a:endParaRPr lang="en-US" sz="2000" dirty="0">
                         <a:latin typeface="Gill Sans Light"/>
@@ -14258,11 +14695,11 @@
                     <a:p>
                       <a:pPr algn="ctr"/>
                       <a:r>
-                        <a:rPr lang="en-US" sz="2000" dirty="0" err="1" smtClean="0">
+                        <a:rPr lang="en-US" sz="2000" dirty="0" smtClean="0">
                           <a:latin typeface="Gill Sans Light"/>
                           <a:cs typeface="Gill Sans Light"/>
                         </a:rPr>
-                        <a:t>jegonzal</a:t>
+                        <a:t>7</a:t>
                       </a:r>
                       <a:endParaRPr lang="en-US" sz="2000" dirty="0">
                         <a:latin typeface="Gill Sans Light"/>
@@ -14286,7 +14723,7 @@
           <p:nvPr>
             <p:extLst>
               <p:ext uri="{D42A27DB-BD31-4B8C-83A1-F6EECF244321}">
-                <p14:modId xmlns:p14="http://schemas.microsoft.com/office/powerpoint/2010/main" val="2480532759"/>
+                <p14:modId xmlns:p14="http://schemas.microsoft.com/office/powerpoint/2010/main" val="2585292512"/>
               </p:ext>
             </p:extLst>
           </p:nvPr>
@@ -14344,7 +14781,7 @@
                           <a:latin typeface="Gill Sans Light"/>
                           <a:cs typeface="Gill Sans Light"/>
                         </a:rPr>
-                        <a:t>Friend</a:t>
+                        <a:t>Collaborator</a:t>
                       </a:r>
                       <a:endParaRPr lang="en-US" sz="2000" dirty="0">
                         <a:latin typeface="Gill Sans Light"/>
@@ -14404,8 +14841,12 @@
                           <a:latin typeface="Gill Sans Light"/>
                           <a:cs typeface="Gill Sans Light"/>
                         </a:rPr>
-                        <a:t>Coworker</a:t>
+                        <a:t>Colleague</a:t>
                       </a:r>
+                      <a:endParaRPr lang="en-US" sz="2000" dirty="0" smtClean="0">
+                        <a:latin typeface="Gill Sans Light"/>
+                        <a:cs typeface="Gill Sans Light"/>
+                      </a:endParaRPr>
                     </a:p>
                   </a:txBody>
                   <a:tcPr>
@@ -14457,21 +14898,21 @@
           <p:nvPr>
             <p:extLst>
               <p:ext uri="{D42A27DB-BD31-4B8C-83A1-F6EECF244321}">
-                <p14:modId xmlns:p14="http://schemas.microsoft.com/office/powerpoint/2010/main" val="4028437591"/>
+                <p14:modId xmlns:p14="http://schemas.microsoft.com/office/powerpoint/2010/main" val="4060132094"/>
               </p:ext>
             </p:extLst>
           </p:nvPr>
         </p:nvGraphicFramePr>
         <p:xfrm>
-          <a:off x="6293903" y="1668872"/>
-          <a:ext cx="2183922" cy="1981200"/>
+          <a:off x="6011703" y="1668872"/>
+          <a:ext cx="2795106" cy="1981200"/>
         </p:xfrm>
         <a:graphic>
           <a:graphicData uri="http://schemas.openxmlformats.org/drawingml/2006/table">
             <a:tbl>
               <a:tblPr firstRow="1" bandRow="1"/>
               <a:tblGrid>
-                <a:gridCol w="2183922"/>
+                <a:gridCol w="2795106"/>
               </a:tblGrid>
               <a:tr h="314960">
                 <a:tc>
@@ -14515,28 +14956,28 @@
                           <a:latin typeface="Gill Sans Light"/>
                           <a:cs typeface="Gill Sans Light"/>
                         </a:rPr>
-                        <a:t>(Stu.,</a:t>
+                        <a:t>(</a:t>
+                      </a:r>
+                      <a:r>
+                        <a:rPr lang="en-US" sz="2000" dirty="0" err="1" smtClean="0">
+                          <a:latin typeface="Gill Sans Light"/>
+                          <a:cs typeface="Gill Sans Light"/>
+                        </a:rPr>
+                        <a:t>rxin</a:t>
+                      </a:r>
+                      <a:r>
+                        <a:rPr lang="en-US" sz="2000" dirty="0" smtClean="0">
+                          <a:latin typeface="Gill Sans Light"/>
+                          <a:cs typeface="Gill Sans Light"/>
+                        </a:rPr>
+                        <a:t>, student</a:t>
                       </a:r>
                       <a:r>
                         <a:rPr lang="en-US" sz="2000" baseline="0" dirty="0" smtClean="0">
                           <a:latin typeface="Gill Sans Light"/>
                           <a:cs typeface="Gill Sans Light"/>
                         </a:rPr>
-                        <a:t> </a:t>
-                      </a:r>
-                      <a:r>
-                        <a:rPr lang="en-US" sz="2000" baseline="0" dirty="0" err="1" smtClean="0">
-                          <a:latin typeface="Gill Sans Light"/>
-                          <a:cs typeface="Gill Sans Light"/>
-                        </a:rPr>
-                        <a:t>Berk</a:t>
-                      </a:r>
-                      <a:r>
-                        <a:rPr lang="en-US" sz="2000" baseline="0" dirty="0" smtClean="0">
-                          <a:latin typeface="Gill Sans Light"/>
-                          <a:cs typeface="Gill Sans Light"/>
-                        </a:rPr>
-                        <a:t>.)</a:t>
+                        <a:t>)</a:t>
                       </a:r>
                       <a:endParaRPr lang="en-US" sz="2000" dirty="0">
                         <a:latin typeface="Gill Sans Light"/>
@@ -14573,79 +15014,14 @@
                           <a:latin typeface="Gill Sans Light"/>
                           <a:cs typeface="Gill Sans Light"/>
                         </a:rPr>
-                        <a:t>PstDoc</a:t>
+                        <a:t>jgonzal</a:t>
                       </a:r>
                       <a:r>
                         <a:rPr lang="en-US" sz="2000" dirty="0" smtClean="0">
                           <a:latin typeface="Gill Sans Light"/>
                           <a:cs typeface="Gill Sans Light"/>
                         </a:rPr>
-                        <a:t>,</a:t>
-                      </a:r>
-                      <a:r>
-                        <a:rPr lang="en-US" sz="2000" baseline="0" dirty="0" smtClean="0">
-                          <a:latin typeface="Gill Sans Light"/>
-                          <a:cs typeface="Gill Sans Light"/>
-                        </a:rPr>
-                        <a:t> </a:t>
-                      </a:r>
-                      <a:r>
-                        <a:rPr lang="en-US" sz="2000" baseline="0" dirty="0" err="1" smtClean="0">
-                          <a:latin typeface="Gill Sans Light"/>
-                          <a:cs typeface="Gill Sans Light"/>
-                        </a:rPr>
-                        <a:t>Berk</a:t>
-                      </a:r>
-                      <a:r>
-                        <a:rPr lang="en-US" sz="2000" baseline="0" dirty="0" smtClean="0">
-                          <a:latin typeface="Gill Sans Light"/>
-                          <a:cs typeface="Gill Sans Light"/>
-                        </a:rPr>
-                        <a:t>.)</a:t>
-                      </a:r>
-                      <a:endParaRPr lang="en-US" sz="2000" dirty="0">
-                        <a:latin typeface="Gill Sans Light"/>
-                        <a:cs typeface="Gill Sans Light"/>
-                      </a:endParaRPr>
-                    </a:p>
-                  </a:txBody>
-                  <a:tcPr>
-                    <a:solidFill>
-                      <a:schemeClr val="tx2">
-                        <a:lumMod val="20000"/>
-                        <a:lumOff val="80000"/>
-                      </a:schemeClr>
-                    </a:solidFill>
-                  </a:tcPr>
-                </a:tc>
-              </a:tr>
-              <a:tr h="314960">
-                <a:tc>
-                  <a:txBody>
-                    <a:bodyPr/>
-                    <a:lstStyle/>
-                    <a:p>
-                      <a:pPr algn="ctr"/>
-                      <a:r>
-                        <a:rPr lang="en-US" sz="2000" dirty="0" smtClean="0">
-                          <a:latin typeface="Gill Sans Light"/>
-                          <a:cs typeface="Gill Sans Light"/>
-                        </a:rPr>
-                        <a:t>(Prof.,</a:t>
-                      </a:r>
-                      <a:r>
-                        <a:rPr lang="en-US" sz="2000" baseline="0" dirty="0" smtClean="0">
-                          <a:latin typeface="Gill Sans Light"/>
-                          <a:cs typeface="Gill Sans Light"/>
-                        </a:rPr>
-                        <a:t> </a:t>
-                      </a:r>
-                      <a:r>
-                        <a:rPr lang="en-US" sz="2000" baseline="0" dirty="0" err="1" smtClean="0">
-                          <a:latin typeface="Gill Sans Light"/>
-                          <a:cs typeface="Gill Sans Light"/>
-                        </a:rPr>
-                        <a:t>Berk</a:t>
+                        <a:t>, postdoc</a:t>
                       </a:r>
                       <a:r>
                         <a:rPr lang="en-US" sz="2000" baseline="0" dirty="0" smtClean="0">
@@ -14682,21 +15058,58 @@
                           <a:latin typeface="Gill Sans Light"/>
                           <a:cs typeface="Gill Sans Light"/>
                         </a:rPr>
-                        <a:t>(Prof.,</a:t>
+                        <a:t>(franklin, professor</a:t>
                       </a:r>
                       <a:r>
                         <a:rPr lang="en-US" sz="2000" baseline="0" dirty="0" smtClean="0">
                           <a:latin typeface="Gill Sans Light"/>
                           <a:cs typeface="Gill Sans Light"/>
                         </a:rPr>
-                        <a:t> </a:t>
+                        <a:t>)</a:t>
                       </a:r>
+                      <a:endParaRPr lang="en-US" sz="2000" dirty="0">
+                        <a:latin typeface="Gill Sans Light"/>
+                        <a:cs typeface="Gill Sans Light"/>
+                      </a:endParaRPr>
+                    </a:p>
+                  </a:txBody>
+                  <a:tcPr>
+                    <a:solidFill>
+                      <a:schemeClr val="tx2">
+                        <a:lumMod val="20000"/>
+                        <a:lumOff val="80000"/>
+                      </a:schemeClr>
+                    </a:solidFill>
+                  </a:tcPr>
+                </a:tc>
+              </a:tr>
+              <a:tr h="314960">
+                <a:tc>
+                  <a:txBody>
+                    <a:bodyPr/>
+                    <a:lstStyle/>
+                    <a:p>
+                      <a:pPr algn="ctr"/>
                       <a:r>
-                        <a:rPr lang="en-US" sz="2000" baseline="0" dirty="0" err="1" smtClean="0">
+                        <a:rPr lang="en-US" sz="2000" dirty="0" smtClean="0">
                           <a:latin typeface="Gill Sans Light"/>
                           <a:cs typeface="Gill Sans Light"/>
                         </a:rPr>
-                        <a:t>Berk</a:t>
+                        <a:t>(</a:t>
+                      </a:r>
+                      <a:r>
+                        <a:rPr lang="en-US" sz="2000" dirty="0" err="1" smtClean="0">
+                          <a:latin typeface="Gill Sans Light"/>
+                          <a:cs typeface="Gill Sans Light"/>
+                        </a:rPr>
+                        <a:t>istoica</a:t>
+                      </a:r>
+                      <a:r>
+                        <a:rPr lang="en-US" sz="2000" dirty="0" smtClean="0">
+                          <a:latin typeface="Gill Sans Light"/>
+                          <a:cs typeface="Gill Sans Light"/>
+                        </a:rPr>
+                        <a:t>, professor</a:t>
                       </a:r>
                       <a:r>
                         <a:rPr lang="en-US" sz="2000" baseline="0" dirty="0" smtClean="0">
@@ -14725,819 +15138,394 @@
           </a:graphicData>
         </a:graphic>
       </p:graphicFrame>
-      <p:grpSp>
-        <p:nvGrpSpPr>
-          <p:cNvPr id="6" name="Group 5"/>
-          <p:cNvGrpSpPr/>
+      <p:sp>
+        <p:nvSpPr>
+          <p:cNvPr id="7" name="Oval 6"/>
+          <p:cNvSpPr/>
           <p:nvPr/>
-        </p:nvGrpSpPr>
-        <p:grpSpPr>
+        </p:nvSpPr>
+        <p:spPr>
           <a:xfrm>
-            <a:off x="710011" y="1668872"/>
-            <a:ext cx="3432365" cy="3588928"/>
-            <a:chOff x="924275" y="2644717"/>
-            <a:chExt cx="3141947" cy="3285263"/>
+            <a:off x="286711" y="1846865"/>
+            <a:ext cx="642793" cy="642793"/>
           </a:xfrm>
-        </p:grpSpPr>
-        <p:sp>
-          <p:nvSpPr>
-            <p:cNvPr id="7" name="Oval 6"/>
-            <p:cNvSpPr/>
-            <p:nvPr/>
-          </p:nvSpPr>
-          <p:spPr>
-            <a:xfrm>
-              <a:off x="924275" y="2644717"/>
-              <a:ext cx="588405" cy="588405"/>
-            </a:xfrm>
-            <a:prstGeom prst="ellipse">
-              <a:avLst/>
-            </a:prstGeom>
-            <a:ln>
-              <a:solidFill>
-                <a:schemeClr val="tx1"/>
-              </a:solidFill>
-              <a:headEnd type="none" w="med" len="med"/>
-              <a:tailEnd type="none"/>
-            </a:ln>
-            <a:effectLst/>
-          </p:spPr>
-          <p:style>
-            <a:lnRef idx="2">
-              <a:schemeClr val="accent1"/>
-            </a:lnRef>
-            <a:fillRef idx="0">
-              <a:schemeClr val="accent1"/>
-            </a:fillRef>
-            <a:effectRef idx="1">
-              <a:schemeClr val="accent1"/>
-            </a:effectRef>
-            <a:fontRef idx="minor">
+          <a:prstGeom prst="ellipse">
+            <a:avLst/>
+          </a:prstGeom>
+          <a:ln>
+            <a:solidFill>
               <a:schemeClr val="tx1"/>
-            </a:fontRef>
-          </p:style>
-          <p:txBody>
-            <a:bodyPr lIns="0" tIns="0" rIns="0" bIns="0" rtlCol="0" anchor="ctr"/>
-            <a:lstStyle/>
-            <a:p>
-              <a:pPr algn="ctr"/>
-              <a:r>
-                <a:rPr lang="en-US" dirty="0"/>
-                <a:t>R</a:t>
-              </a:r>
-            </a:p>
-          </p:txBody>
-        </p:sp>
-        <p:sp>
-          <p:nvSpPr>
-            <p:cNvPr id="8" name="Oval 7"/>
-            <p:cNvSpPr/>
-            <p:nvPr/>
-          </p:nvSpPr>
-          <p:spPr>
-            <a:xfrm>
-              <a:off x="924275" y="5243507"/>
-              <a:ext cx="588405" cy="588405"/>
-            </a:xfrm>
-            <a:prstGeom prst="ellipse">
-              <a:avLst/>
-            </a:prstGeom>
-            <a:ln>
-              <a:solidFill>
-                <a:schemeClr val="tx1"/>
-              </a:solidFill>
-              <a:headEnd type="none" w="med" len="med"/>
-              <a:tailEnd type="none"/>
-            </a:ln>
-            <a:effectLst/>
-          </p:spPr>
-          <p:style>
-            <a:lnRef idx="2">
-              <a:schemeClr val="accent1"/>
-            </a:lnRef>
-            <a:fillRef idx="0">
-              <a:schemeClr val="accent1"/>
-            </a:fillRef>
-            <a:effectRef idx="1">
-              <a:schemeClr val="accent1"/>
-            </a:effectRef>
-            <a:fontRef idx="minor">
+            </a:solidFill>
+            <a:headEnd type="none" w="med" len="med"/>
+            <a:tailEnd type="none"/>
+          </a:ln>
+          <a:effectLst/>
+        </p:spPr>
+        <p:style>
+          <a:lnRef idx="2">
+            <a:schemeClr val="accent1"/>
+          </a:lnRef>
+          <a:fillRef idx="0">
+            <a:schemeClr val="accent1"/>
+          </a:fillRef>
+          <a:effectRef idx="1">
+            <a:schemeClr val="accent1"/>
+          </a:effectRef>
+          <a:fontRef idx="minor">
+            <a:schemeClr val="tx1"/>
+          </a:fontRef>
+        </p:style>
+        <p:txBody>
+          <a:bodyPr lIns="0" tIns="0" rIns="0" bIns="0" rtlCol="0" anchor="ctr"/>
+          <a:lstStyle/>
+          <a:p>
+            <a:pPr algn="ctr"/>
+            <a:r>
+              <a:rPr lang="en-US" sz="2800" dirty="0" smtClean="0">
+                <a:latin typeface="Gill Sans Light"/>
+                <a:cs typeface="Gill Sans Light"/>
+              </a:rPr>
+              <a:t>3</a:t>
+            </a:r>
+            <a:endParaRPr lang="en-US" sz="2800" dirty="0">
+              <a:latin typeface="Gill Sans Light"/>
+              <a:cs typeface="Gill Sans Light"/>
+            </a:endParaRPr>
+          </a:p>
+        </p:txBody>
+      </p:sp>
+      <p:sp>
+        <p:nvSpPr>
+          <p:cNvPr id="8" name="Oval 7"/>
+          <p:cNvSpPr/>
+          <p:nvPr/>
+        </p:nvSpPr>
+        <p:spPr>
+          <a:xfrm>
+            <a:off x="286711" y="5275168"/>
+            <a:ext cx="642793" cy="642793"/>
+          </a:xfrm>
+          <a:prstGeom prst="ellipse">
+            <a:avLst/>
+          </a:prstGeom>
+          <a:ln>
+            <a:solidFill>
               <a:schemeClr val="tx1"/>
-            </a:fontRef>
-          </p:style>
-          <p:txBody>
-            <a:bodyPr lIns="0" tIns="0" rIns="0" bIns="0" rtlCol="0" anchor="ctr"/>
-            <a:lstStyle/>
-            <a:p>
-              <a:pPr algn="ctr"/>
-              <a:r>
-                <a:rPr lang="en-US" dirty="0"/>
-                <a:t>J</a:t>
-              </a:r>
-            </a:p>
-          </p:txBody>
-        </p:sp>
-        <p:sp>
-          <p:nvSpPr>
-            <p:cNvPr id="9" name="Oval 8"/>
-            <p:cNvSpPr/>
-            <p:nvPr/>
-          </p:nvSpPr>
-          <p:spPr>
-            <a:xfrm>
-              <a:off x="3281682" y="2644717"/>
-              <a:ext cx="588405" cy="588405"/>
-            </a:xfrm>
-            <a:prstGeom prst="ellipse">
-              <a:avLst/>
-            </a:prstGeom>
-            <a:ln>
-              <a:solidFill>
-                <a:schemeClr val="tx1"/>
-              </a:solidFill>
-              <a:headEnd type="none" w="med" len="med"/>
-              <a:tailEnd type="none"/>
-            </a:ln>
-            <a:effectLst/>
-          </p:spPr>
-          <p:style>
-            <a:lnRef idx="2">
-              <a:schemeClr val="accent1"/>
-            </a:lnRef>
-            <a:fillRef idx="0">
-              <a:schemeClr val="accent1"/>
-            </a:fillRef>
-            <a:effectRef idx="1">
-              <a:schemeClr val="accent1"/>
-            </a:effectRef>
-            <a:fontRef idx="minor">
+            </a:solidFill>
+            <a:headEnd type="none" w="med" len="med"/>
+            <a:tailEnd type="none"/>
+          </a:ln>
+          <a:effectLst/>
+        </p:spPr>
+        <p:style>
+          <a:lnRef idx="2">
+            <a:schemeClr val="accent1"/>
+          </a:lnRef>
+          <a:fillRef idx="0">
+            <a:schemeClr val="accent1"/>
+          </a:fillRef>
+          <a:effectRef idx="1">
+            <a:schemeClr val="accent1"/>
+          </a:effectRef>
+          <a:fontRef idx="minor">
+            <a:schemeClr val="tx1"/>
+          </a:fontRef>
+        </p:style>
+        <p:txBody>
+          <a:bodyPr lIns="0" tIns="0" rIns="0" bIns="0" rtlCol="0" anchor="ctr"/>
+          <a:lstStyle/>
+          <a:p>
+            <a:pPr algn="ctr"/>
+            <a:r>
+              <a:rPr lang="en-US" sz="2800" dirty="0" smtClean="0">
+                <a:latin typeface="Gill Sans Light"/>
+                <a:cs typeface="Gill Sans Light"/>
+              </a:rPr>
+              <a:t>7</a:t>
+            </a:r>
+            <a:endParaRPr lang="en-US" sz="2800" dirty="0">
+              <a:latin typeface="Gill Sans Light"/>
+              <a:cs typeface="Gill Sans Light"/>
+            </a:endParaRPr>
+          </a:p>
+        </p:txBody>
+      </p:sp>
+      <p:sp>
+        <p:nvSpPr>
+          <p:cNvPr id="9" name="Oval 8"/>
+          <p:cNvSpPr/>
+          <p:nvPr/>
+        </p:nvSpPr>
+        <p:spPr>
+          <a:xfrm>
+            <a:off x="2920119" y="1846865"/>
+            <a:ext cx="642793" cy="642793"/>
+          </a:xfrm>
+          <a:prstGeom prst="ellipse">
+            <a:avLst/>
+          </a:prstGeom>
+          <a:ln>
+            <a:solidFill>
               <a:schemeClr val="tx1"/>
-            </a:fontRef>
-          </p:style>
-          <p:txBody>
-            <a:bodyPr lIns="0" tIns="0" rIns="0" bIns="0" rtlCol="0" anchor="ctr"/>
-            <a:lstStyle/>
-            <a:p>
-              <a:pPr algn="ctr"/>
-              <a:r>
-                <a:rPr lang="en-US" dirty="0" smtClean="0"/>
-                <a:t>F</a:t>
-              </a:r>
-              <a:endParaRPr lang="en-US" dirty="0"/>
-            </a:p>
-          </p:txBody>
-        </p:sp>
-        <p:sp>
-          <p:nvSpPr>
-            <p:cNvPr id="10" name="Oval 9"/>
-            <p:cNvSpPr/>
-            <p:nvPr/>
-          </p:nvSpPr>
-          <p:spPr>
-            <a:xfrm>
-              <a:off x="3277897" y="5243507"/>
-              <a:ext cx="588405" cy="588405"/>
-            </a:xfrm>
-            <a:prstGeom prst="ellipse">
-              <a:avLst/>
-            </a:prstGeom>
-            <a:ln>
-              <a:solidFill>
-                <a:schemeClr val="tx1"/>
-              </a:solidFill>
-              <a:headEnd type="none" w="med" len="med"/>
-              <a:tailEnd type="none"/>
-            </a:ln>
-            <a:effectLst/>
-          </p:spPr>
-          <p:style>
-            <a:lnRef idx="2">
-              <a:schemeClr val="accent1"/>
-            </a:lnRef>
-            <a:fillRef idx="0">
-              <a:schemeClr val="accent1"/>
-            </a:fillRef>
-            <a:effectRef idx="1">
-              <a:schemeClr val="accent1"/>
-            </a:effectRef>
-            <a:fontRef idx="minor">
+            </a:solidFill>
+            <a:headEnd type="none" w="med" len="med"/>
+            <a:tailEnd type="none"/>
+          </a:ln>
+          <a:effectLst/>
+        </p:spPr>
+        <p:style>
+          <a:lnRef idx="2">
+            <a:schemeClr val="accent1"/>
+          </a:lnRef>
+          <a:fillRef idx="0">
+            <a:schemeClr val="accent1"/>
+          </a:fillRef>
+          <a:effectRef idx="1">
+            <a:schemeClr val="accent1"/>
+          </a:effectRef>
+          <a:fontRef idx="minor">
+            <a:schemeClr val="tx1"/>
+          </a:fontRef>
+        </p:style>
+        <p:txBody>
+          <a:bodyPr lIns="0" tIns="0" rIns="0" bIns="0" rtlCol="0" anchor="ctr"/>
+          <a:lstStyle/>
+          <a:p>
+            <a:pPr algn="ctr"/>
+            <a:r>
+              <a:rPr lang="en-US" sz="2800" dirty="0" smtClean="0">
+                <a:latin typeface="Gill Sans Light"/>
+                <a:cs typeface="Gill Sans Light"/>
+              </a:rPr>
+              <a:t>5</a:t>
+            </a:r>
+            <a:endParaRPr lang="en-US" sz="2800" dirty="0">
+              <a:latin typeface="Gill Sans Light"/>
+              <a:cs typeface="Gill Sans Light"/>
+            </a:endParaRPr>
+          </a:p>
+        </p:txBody>
+      </p:sp>
+      <p:sp>
+        <p:nvSpPr>
+          <p:cNvPr id="10" name="Oval 9"/>
+          <p:cNvSpPr/>
+          <p:nvPr/>
+        </p:nvSpPr>
+        <p:spPr>
+          <a:xfrm>
+            <a:off x="2915984" y="5275168"/>
+            <a:ext cx="642793" cy="642793"/>
+          </a:xfrm>
+          <a:prstGeom prst="ellipse">
+            <a:avLst/>
+          </a:prstGeom>
+          <a:ln>
+            <a:solidFill>
               <a:schemeClr val="tx1"/>
-            </a:fontRef>
-          </p:style>
-          <p:txBody>
-            <a:bodyPr lIns="0" tIns="0" rIns="0" bIns="0" rtlCol="0" anchor="ctr"/>
-            <a:lstStyle/>
-            <a:p>
-              <a:pPr algn="ctr"/>
-              <a:r>
-                <a:rPr lang="en-US" dirty="0"/>
-                <a:t>I</a:t>
-              </a:r>
-            </a:p>
-          </p:txBody>
-        </p:sp>
-        <p:grpSp>
-          <p:nvGrpSpPr>
-            <p:cNvPr id="11" name="Group 10"/>
-            <p:cNvGrpSpPr/>
-            <p:nvPr/>
-          </p:nvGrpSpPr>
-          <p:grpSpPr>
-            <a:xfrm>
-              <a:off x="1214693" y="2931186"/>
-              <a:ext cx="2357407" cy="2390757"/>
-              <a:chOff x="6030145" y="1792483"/>
-              <a:chExt cx="1831741" cy="1857655"/>
-            </a:xfrm>
-          </p:grpSpPr>
-          <p:cxnSp>
-            <p:nvCxnSpPr>
-              <p:cNvPr id="22" name="Straight Arrow Connector 21"/>
-              <p:cNvCxnSpPr>
-                <a:stCxn id="7" idx="4"/>
-                <a:endCxn id="8" idx="0"/>
-              </p:cNvCxnSpPr>
-              <p:nvPr/>
-            </p:nvCxnSpPr>
-            <p:spPr>
-              <a:xfrm>
-                <a:off x="6030145" y="2021083"/>
-                <a:ext cx="0" cy="1562100"/>
-              </a:xfrm>
-              <a:prstGeom prst="straightConnector1">
-                <a:avLst/>
-              </a:prstGeom>
-              <a:ln>
-                <a:solidFill>
-                  <a:schemeClr val="tx1"/>
-                </a:solidFill>
-                <a:headEnd type="none" w="med" len="med"/>
-                <a:tailEnd type="arrow"/>
-              </a:ln>
-              <a:effectLst/>
-            </p:spPr>
-            <p:style>
-              <a:lnRef idx="2">
-                <a:schemeClr val="accent1"/>
-              </a:lnRef>
-              <a:fillRef idx="0">
-                <a:schemeClr val="accent1"/>
-              </a:fillRef>
-              <a:effectRef idx="1">
-                <a:schemeClr val="accent1"/>
-              </a:effectRef>
-              <a:fontRef idx="minor">
-                <a:schemeClr val="tx1"/>
-              </a:fontRef>
-            </p:style>
-          </p:cxnSp>
-          <p:cxnSp>
-            <p:nvCxnSpPr>
-              <p:cNvPr id="23" name="Straight Arrow Connector 22"/>
-              <p:cNvCxnSpPr>
-                <a:stCxn id="9" idx="2"/>
-                <a:endCxn id="7" idx="6"/>
-              </p:cNvCxnSpPr>
-              <p:nvPr/>
-            </p:nvCxnSpPr>
-            <p:spPr>
-              <a:xfrm flipH="1">
-                <a:off x="6258745" y="1792483"/>
-                <a:ext cx="1374541" cy="0"/>
-              </a:xfrm>
-              <a:prstGeom prst="straightConnector1">
-                <a:avLst/>
-              </a:prstGeom>
-              <a:ln>
-                <a:solidFill>
-                  <a:schemeClr val="tx1"/>
-                </a:solidFill>
-                <a:headEnd type="none" w="med" len="med"/>
-                <a:tailEnd type="arrow"/>
-              </a:ln>
-              <a:effectLst/>
-            </p:spPr>
-            <p:style>
-              <a:lnRef idx="2">
-                <a:schemeClr val="accent1"/>
-              </a:lnRef>
-              <a:fillRef idx="0">
-                <a:schemeClr val="accent1"/>
-              </a:fillRef>
-              <a:effectRef idx="1">
-                <a:schemeClr val="accent1"/>
-              </a:effectRef>
-              <a:fontRef idx="minor">
-                <a:schemeClr val="tx1"/>
-              </a:fontRef>
-            </p:style>
-          </p:cxnSp>
-          <p:cxnSp>
-            <p:nvCxnSpPr>
-              <p:cNvPr id="24" name="Straight Arrow Connector 23"/>
-              <p:cNvCxnSpPr>
-                <a:stCxn id="10" idx="0"/>
-                <a:endCxn id="9" idx="4"/>
-              </p:cNvCxnSpPr>
-              <p:nvPr/>
-            </p:nvCxnSpPr>
-            <p:spPr>
-              <a:xfrm flipV="1">
-                <a:off x="7858945" y="2021083"/>
-                <a:ext cx="2941" cy="1562100"/>
-              </a:xfrm>
-              <a:prstGeom prst="straightConnector1">
-                <a:avLst/>
-              </a:prstGeom>
-              <a:ln>
-                <a:solidFill>
-                  <a:schemeClr val="tx1"/>
-                </a:solidFill>
-                <a:headEnd type="none" w="med" len="med"/>
-                <a:tailEnd type="arrow"/>
-              </a:ln>
-              <a:effectLst/>
-            </p:spPr>
-            <p:style>
-              <a:lnRef idx="2">
-                <a:schemeClr val="accent1"/>
-              </a:lnRef>
-              <a:fillRef idx="0">
-                <a:schemeClr val="accent1"/>
-              </a:fillRef>
-              <a:effectRef idx="1">
-                <a:schemeClr val="accent1"/>
-              </a:effectRef>
-              <a:fontRef idx="minor">
-                <a:schemeClr val="tx1"/>
-              </a:fontRef>
-            </p:style>
-          </p:cxnSp>
-          <p:cxnSp>
-            <p:nvCxnSpPr>
-              <p:cNvPr id="25" name="Straight Arrow Connector 24"/>
-              <p:cNvCxnSpPr>
-                <a:stCxn id="9" idx="3"/>
-                <a:endCxn id="8" idx="7"/>
-              </p:cNvCxnSpPr>
-              <p:nvPr/>
-            </p:nvCxnSpPr>
-            <p:spPr>
-              <a:xfrm flipH="1">
-                <a:off x="6191790" y="1954128"/>
-                <a:ext cx="1508451" cy="1696010"/>
-              </a:xfrm>
-              <a:prstGeom prst="straightConnector1">
-                <a:avLst/>
-              </a:prstGeom>
-              <a:ln>
-                <a:solidFill>
-                  <a:schemeClr val="tx1"/>
-                </a:solidFill>
-                <a:headEnd type="none" w="med" len="med"/>
-                <a:tailEnd type="arrow"/>
-              </a:ln>
-              <a:effectLst/>
-            </p:spPr>
-            <p:style>
-              <a:lnRef idx="2">
-                <a:schemeClr val="accent1"/>
-              </a:lnRef>
-              <a:fillRef idx="0">
-                <a:schemeClr val="accent1"/>
-              </a:fillRef>
-              <a:effectRef idx="1">
-                <a:schemeClr val="accent1"/>
-              </a:effectRef>
-              <a:fontRef idx="minor">
-                <a:schemeClr val="tx1"/>
-              </a:fontRef>
-            </p:style>
-          </p:cxnSp>
-        </p:grpSp>
-        <p:grpSp>
-          <p:nvGrpSpPr>
-            <p:cNvPr id="12" name="Group 11"/>
-            <p:cNvGrpSpPr/>
-            <p:nvPr/>
-          </p:nvGrpSpPr>
-          <p:grpSpPr>
-            <a:xfrm>
-              <a:off x="1077325" y="2828954"/>
-              <a:ext cx="2635926" cy="1482912"/>
-              <a:chOff x="6135781" y="3305455"/>
-              <a:chExt cx="2048155" cy="1152245"/>
-            </a:xfrm>
-          </p:grpSpPr>
-          <p:sp>
-            <p:nvSpPr>
-              <p:cNvPr id="18" name="Can 17"/>
-              <p:cNvSpPr/>
-              <p:nvPr/>
-            </p:nvSpPr>
-            <p:spPr>
-              <a:xfrm>
-                <a:off x="7062298" y="3305455"/>
-                <a:ext cx="219355" cy="161645"/>
-              </a:xfrm>
-              <a:prstGeom prst="can">
-                <a:avLst/>
-              </a:prstGeom>
-              <a:solidFill>
-                <a:schemeClr val="accent6"/>
-              </a:solidFill>
-              <a:ln>
-                <a:solidFill>
-                  <a:schemeClr val="tx1"/>
-                </a:solidFill>
-                <a:headEnd type="none" w="med" len="med"/>
-                <a:tailEnd type="none"/>
-              </a:ln>
-              <a:effectLst/>
-            </p:spPr>
-            <p:style>
-              <a:lnRef idx="2">
-                <a:schemeClr val="accent1"/>
-              </a:lnRef>
-              <a:fillRef idx="0">
-                <a:schemeClr val="accent1"/>
-              </a:fillRef>
-              <a:effectRef idx="1">
-                <a:schemeClr val="accent1"/>
-              </a:effectRef>
-              <a:fontRef idx="minor">
-                <a:schemeClr val="tx1"/>
-              </a:fontRef>
-            </p:style>
-            <p:txBody>
-              <a:bodyPr rtlCol="0" anchor="ctr"/>
-              <a:lstStyle/>
-              <a:p>
-                <a:pPr algn="ctr"/>
-                <a:endParaRPr lang="en-US"/>
-              </a:p>
-            </p:txBody>
-          </p:sp>
-          <p:sp>
-            <p:nvSpPr>
-              <p:cNvPr id="19" name="Can 18"/>
-              <p:cNvSpPr/>
-              <p:nvPr/>
-            </p:nvSpPr>
-            <p:spPr>
-              <a:xfrm>
-                <a:off x="7964581" y="4296055"/>
-                <a:ext cx="219355" cy="161645"/>
-              </a:xfrm>
-              <a:prstGeom prst="can">
-                <a:avLst/>
-              </a:prstGeom>
-              <a:solidFill>
-                <a:schemeClr val="accent6"/>
-              </a:solidFill>
-              <a:ln>
-                <a:solidFill>
-                  <a:schemeClr val="tx1"/>
-                </a:solidFill>
-                <a:headEnd type="none" w="med" len="med"/>
-                <a:tailEnd type="none"/>
-              </a:ln>
-              <a:effectLst/>
-            </p:spPr>
-            <p:style>
-              <a:lnRef idx="2">
-                <a:schemeClr val="accent1"/>
-              </a:lnRef>
-              <a:fillRef idx="0">
-                <a:schemeClr val="accent1"/>
-              </a:fillRef>
-              <a:effectRef idx="1">
-                <a:schemeClr val="accent1"/>
-              </a:effectRef>
-              <a:fontRef idx="minor">
-                <a:schemeClr val="tx1"/>
-              </a:fontRef>
-            </p:style>
-            <p:txBody>
-              <a:bodyPr rtlCol="0" anchor="ctr"/>
-              <a:lstStyle/>
-              <a:p>
-                <a:pPr algn="ctr"/>
-                <a:endParaRPr lang="en-US"/>
-              </a:p>
-            </p:txBody>
-          </p:sp>
-          <p:sp>
-            <p:nvSpPr>
-              <p:cNvPr id="20" name="Can 19"/>
-              <p:cNvSpPr/>
-              <p:nvPr/>
-            </p:nvSpPr>
-            <p:spPr>
-              <a:xfrm>
-                <a:off x="6135781" y="4296055"/>
-                <a:ext cx="219355" cy="161645"/>
-              </a:xfrm>
-              <a:prstGeom prst="can">
-                <a:avLst/>
-              </a:prstGeom>
-              <a:solidFill>
-                <a:schemeClr val="accent6"/>
-              </a:solidFill>
-              <a:ln>
-                <a:solidFill>
-                  <a:schemeClr val="tx1"/>
-                </a:solidFill>
-                <a:headEnd type="none" w="med" len="med"/>
-                <a:tailEnd type="none"/>
-              </a:ln>
-              <a:effectLst/>
-            </p:spPr>
-            <p:style>
-              <a:lnRef idx="2">
-                <a:schemeClr val="accent1"/>
-              </a:lnRef>
-              <a:fillRef idx="0">
-                <a:schemeClr val="accent1"/>
-              </a:fillRef>
-              <a:effectRef idx="1">
-                <a:schemeClr val="accent1"/>
-              </a:effectRef>
-              <a:fontRef idx="minor">
-                <a:schemeClr val="tx1"/>
-              </a:fontRef>
-            </p:style>
-            <p:txBody>
-              <a:bodyPr rtlCol="0" anchor="ctr"/>
-              <a:lstStyle/>
-              <a:p>
-                <a:pPr algn="ctr"/>
-                <a:endParaRPr lang="en-US"/>
-              </a:p>
-            </p:txBody>
-          </p:sp>
-          <p:sp>
-            <p:nvSpPr>
-              <p:cNvPr id="21" name="Can 20"/>
-              <p:cNvSpPr/>
-              <p:nvPr/>
-            </p:nvSpPr>
-            <p:spPr>
-              <a:xfrm>
-                <a:off x="7062298" y="4296055"/>
-                <a:ext cx="219355" cy="161645"/>
-              </a:xfrm>
-              <a:prstGeom prst="can">
-                <a:avLst/>
-              </a:prstGeom>
-              <a:solidFill>
-                <a:schemeClr val="accent6"/>
-              </a:solidFill>
-              <a:ln>
-                <a:solidFill>
-                  <a:schemeClr val="tx1"/>
-                </a:solidFill>
-                <a:headEnd type="none" w="med" len="med"/>
-                <a:tailEnd type="none"/>
-              </a:ln>
-              <a:effectLst/>
-            </p:spPr>
-            <p:style>
-              <a:lnRef idx="2">
-                <a:schemeClr val="accent1"/>
-              </a:lnRef>
-              <a:fillRef idx="0">
-                <a:schemeClr val="accent1"/>
-              </a:fillRef>
-              <a:effectRef idx="1">
-                <a:schemeClr val="accent1"/>
-              </a:effectRef>
-              <a:fontRef idx="minor">
-                <a:schemeClr val="tx1"/>
-              </a:fontRef>
-            </p:style>
-            <p:txBody>
-              <a:bodyPr rtlCol="0" anchor="ctr"/>
-              <a:lstStyle/>
-              <a:p>
-                <a:pPr algn="ctr"/>
-                <a:endParaRPr lang="en-US"/>
-              </a:p>
-            </p:txBody>
-          </p:sp>
-        </p:grpSp>
-        <p:grpSp>
-          <p:nvGrpSpPr>
-            <p:cNvPr id="13" name="Group 12"/>
-            <p:cNvGrpSpPr/>
-            <p:nvPr/>
-          </p:nvGrpSpPr>
-          <p:grpSpPr>
-            <a:xfrm>
-              <a:off x="1418398" y="3103047"/>
-              <a:ext cx="2647824" cy="2826933"/>
-              <a:chOff x="6400800" y="3518430"/>
-              <a:chExt cx="2057400" cy="2196570"/>
-            </a:xfrm>
-          </p:grpSpPr>
-          <p:sp>
-            <p:nvSpPr>
-              <p:cNvPr id="14" name="Can 13"/>
-              <p:cNvSpPr/>
-              <p:nvPr/>
-            </p:nvSpPr>
-            <p:spPr>
-              <a:xfrm>
-                <a:off x="6410045" y="3518430"/>
-                <a:ext cx="219355" cy="161645"/>
-              </a:xfrm>
-              <a:prstGeom prst="can">
-                <a:avLst/>
-              </a:prstGeom>
-              <a:solidFill>
-                <a:schemeClr val="accent1"/>
-              </a:solidFill>
-              <a:ln>
-                <a:solidFill>
-                  <a:schemeClr val="tx1"/>
-                </a:solidFill>
-                <a:headEnd type="none" w="med" len="med"/>
-                <a:tailEnd type="none"/>
-              </a:ln>
-              <a:effectLst/>
-            </p:spPr>
-            <p:style>
-              <a:lnRef idx="2">
-                <a:schemeClr val="accent1"/>
-              </a:lnRef>
-              <a:fillRef idx="0">
-                <a:schemeClr val="accent1"/>
-              </a:fillRef>
-              <a:effectRef idx="1">
-                <a:schemeClr val="accent1"/>
-              </a:effectRef>
-              <a:fontRef idx="minor">
-                <a:schemeClr val="tx1"/>
-              </a:fontRef>
-            </p:style>
-            <p:txBody>
-              <a:bodyPr rtlCol="0" anchor="ctr"/>
-              <a:lstStyle/>
-              <a:p>
-                <a:pPr algn="ctr"/>
-                <a:endParaRPr lang="en-US"/>
-              </a:p>
-            </p:txBody>
-          </p:sp>
-          <p:sp>
-            <p:nvSpPr>
-              <p:cNvPr id="15" name="Can 14"/>
-              <p:cNvSpPr/>
-              <p:nvPr/>
-            </p:nvSpPr>
-            <p:spPr>
-              <a:xfrm>
-                <a:off x="8238845" y="3518430"/>
-                <a:ext cx="219355" cy="161645"/>
-              </a:xfrm>
-              <a:prstGeom prst="can">
-                <a:avLst/>
-              </a:prstGeom>
-              <a:solidFill>
-                <a:schemeClr val="accent1"/>
-              </a:solidFill>
-              <a:ln>
-                <a:solidFill>
-                  <a:schemeClr val="tx1"/>
-                </a:solidFill>
-                <a:headEnd type="none" w="med" len="med"/>
-                <a:tailEnd type="none"/>
-              </a:ln>
-              <a:effectLst/>
-            </p:spPr>
-            <p:style>
-              <a:lnRef idx="2">
-                <a:schemeClr val="accent1"/>
-              </a:lnRef>
-              <a:fillRef idx="0">
-                <a:schemeClr val="accent1"/>
-              </a:fillRef>
-              <a:effectRef idx="1">
-                <a:schemeClr val="accent1"/>
-              </a:effectRef>
-              <a:fontRef idx="minor">
-                <a:schemeClr val="tx1"/>
-              </a:fontRef>
-            </p:style>
-            <p:txBody>
-              <a:bodyPr rtlCol="0" anchor="ctr"/>
-              <a:lstStyle/>
-              <a:p>
-                <a:pPr algn="ctr"/>
-                <a:endParaRPr lang="en-US"/>
-              </a:p>
-            </p:txBody>
-          </p:sp>
-          <p:sp>
-            <p:nvSpPr>
-              <p:cNvPr id="16" name="Can 15"/>
-              <p:cNvSpPr/>
-              <p:nvPr/>
-            </p:nvSpPr>
-            <p:spPr>
-              <a:xfrm>
-                <a:off x="6400800" y="5553355"/>
-                <a:ext cx="219355" cy="161645"/>
-              </a:xfrm>
-              <a:prstGeom prst="can">
-                <a:avLst/>
-              </a:prstGeom>
-              <a:solidFill>
-                <a:schemeClr val="accent1"/>
-              </a:solidFill>
-              <a:ln>
-                <a:solidFill>
-                  <a:schemeClr val="tx1"/>
-                </a:solidFill>
-                <a:headEnd type="none" w="med" len="med"/>
-                <a:tailEnd type="none"/>
-              </a:ln>
-              <a:effectLst/>
-            </p:spPr>
-            <p:style>
-              <a:lnRef idx="2">
-                <a:schemeClr val="accent1"/>
-              </a:lnRef>
-              <a:fillRef idx="0">
-                <a:schemeClr val="accent1"/>
-              </a:fillRef>
-              <a:effectRef idx="1">
-                <a:schemeClr val="accent1"/>
-              </a:effectRef>
-              <a:fontRef idx="minor">
-                <a:schemeClr val="tx1"/>
-              </a:fontRef>
-            </p:style>
-            <p:txBody>
-              <a:bodyPr rtlCol="0" anchor="ctr"/>
-              <a:lstStyle/>
-              <a:p>
-                <a:pPr algn="ctr"/>
-                <a:endParaRPr lang="en-US"/>
-              </a:p>
-            </p:txBody>
-          </p:sp>
-          <p:sp>
-            <p:nvSpPr>
-              <p:cNvPr id="17" name="Can 16"/>
-              <p:cNvSpPr/>
-              <p:nvPr/>
-            </p:nvSpPr>
-            <p:spPr>
-              <a:xfrm>
-                <a:off x="8229600" y="5553355"/>
-                <a:ext cx="219355" cy="161645"/>
-              </a:xfrm>
-              <a:prstGeom prst="can">
-                <a:avLst/>
-              </a:prstGeom>
-              <a:solidFill>
-                <a:schemeClr val="accent1"/>
-              </a:solidFill>
-              <a:ln>
-                <a:solidFill>
-                  <a:schemeClr val="tx1"/>
-                </a:solidFill>
-                <a:headEnd type="none" w="med" len="med"/>
-                <a:tailEnd type="none"/>
-              </a:ln>
-              <a:effectLst/>
-            </p:spPr>
-            <p:style>
-              <a:lnRef idx="2">
-                <a:schemeClr val="accent1"/>
-              </a:lnRef>
-              <a:fillRef idx="0">
-                <a:schemeClr val="accent1"/>
-              </a:fillRef>
-              <a:effectRef idx="1">
-                <a:schemeClr val="accent1"/>
-              </a:effectRef>
-              <a:fontRef idx="minor">
-                <a:schemeClr val="tx1"/>
-              </a:fontRef>
-            </p:style>
-            <p:txBody>
-              <a:bodyPr rtlCol="0" anchor="ctr"/>
-              <a:lstStyle/>
-              <a:p>
-                <a:pPr algn="ctr"/>
-                <a:endParaRPr lang="en-US"/>
-              </a:p>
-            </p:txBody>
-          </p:sp>
-        </p:grpSp>
-      </p:grpSp>
+            </a:solidFill>
+            <a:headEnd type="none" w="med" len="med"/>
+            <a:tailEnd type="none"/>
+          </a:ln>
+          <a:effectLst/>
+        </p:spPr>
+        <p:style>
+          <a:lnRef idx="2">
+            <a:schemeClr val="accent1"/>
+          </a:lnRef>
+          <a:fillRef idx="0">
+            <a:schemeClr val="accent1"/>
+          </a:fillRef>
+          <a:effectRef idx="1">
+            <a:schemeClr val="accent1"/>
+          </a:effectRef>
+          <a:fontRef idx="minor">
+            <a:schemeClr val="tx1"/>
+          </a:fontRef>
+        </p:style>
+        <p:txBody>
+          <a:bodyPr lIns="0" tIns="0" rIns="0" bIns="0" rtlCol="0" anchor="ctr"/>
+          <a:lstStyle/>
+          <a:p>
+            <a:pPr algn="ctr"/>
+            <a:r>
+              <a:rPr lang="en-US" sz="2800" dirty="0">
+                <a:latin typeface="Gill Sans Light"/>
+                <a:cs typeface="Gill Sans Light"/>
+              </a:rPr>
+              <a:t>2</a:t>
+            </a:r>
+            <a:endParaRPr lang="en-US" sz="2800" dirty="0">
+              <a:latin typeface="Gill Sans Light"/>
+              <a:cs typeface="Gill Sans Light"/>
+            </a:endParaRPr>
+          </a:p>
+        </p:txBody>
+      </p:sp>
+      <p:cxnSp>
+        <p:nvCxnSpPr>
+          <p:cNvPr id="22" name="Straight Arrow Connector 21"/>
+          <p:cNvCxnSpPr>
+            <a:stCxn id="7" idx="4"/>
+            <a:endCxn id="8" idx="0"/>
+          </p:cNvCxnSpPr>
+          <p:nvPr/>
+        </p:nvCxnSpPr>
+        <p:spPr>
+          <a:xfrm>
+            <a:off x="608108" y="2489658"/>
+            <a:ext cx="0" cy="2785510"/>
+          </a:xfrm>
+          <a:prstGeom prst="straightConnector1">
+            <a:avLst/>
+          </a:prstGeom>
+          <a:ln>
+            <a:solidFill>
+              <a:schemeClr val="tx1"/>
+            </a:solidFill>
+            <a:headEnd type="none" w="med" len="med"/>
+            <a:tailEnd type="arrow"/>
+          </a:ln>
+          <a:effectLst/>
+        </p:spPr>
+        <p:style>
+          <a:lnRef idx="2">
+            <a:schemeClr val="accent1"/>
+          </a:lnRef>
+          <a:fillRef idx="0">
+            <a:schemeClr val="accent1"/>
+          </a:fillRef>
+          <a:effectRef idx="1">
+            <a:schemeClr val="accent1"/>
+          </a:effectRef>
+          <a:fontRef idx="minor">
+            <a:schemeClr val="tx1"/>
+          </a:fontRef>
+        </p:style>
+      </p:cxnSp>
+      <p:cxnSp>
+        <p:nvCxnSpPr>
+          <p:cNvPr id="23" name="Straight Arrow Connector 22"/>
+          <p:cNvCxnSpPr>
+            <a:stCxn id="9" idx="2"/>
+            <a:endCxn id="7" idx="6"/>
+          </p:cNvCxnSpPr>
+          <p:nvPr/>
+        </p:nvCxnSpPr>
+        <p:spPr>
+          <a:xfrm flipH="1">
+            <a:off x="929504" y="2168262"/>
+            <a:ext cx="1990615" cy="0"/>
+          </a:xfrm>
+          <a:prstGeom prst="straightConnector1">
+            <a:avLst/>
+          </a:prstGeom>
+          <a:ln>
+            <a:solidFill>
+              <a:schemeClr val="tx1"/>
+            </a:solidFill>
+            <a:headEnd type="none" w="med" len="med"/>
+            <a:tailEnd type="arrow"/>
+          </a:ln>
+          <a:effectLst/>
+        </p:spPr>
+        <p:style>
+          <a:lnRef idx="2">
+            <a:schemeClr val="accent1"/>
+          </a:lnRef>
+          <a:fillRef idx="0">
+            <a:schemeClr val="accent1"/>
+          </a:fillRef>
+          <a:effectRef idx="1">
+            <a:schemeClr val="accent1"/>
+          </a:effectRef>
+          <a:fontRef idx="minor">
+            <a:schemeClr val="tx1"/>
+          </a:fontRef>
+        </p:style>
+      </p:cxnSp>
+      <p:cxnSp>
+        <p:nvCxnSpPr>
+          <p:cNvPr id="24" name="Straight Arrow Connector 23"/>
+          <p:cNvCxnSpPr>
+            <a:stCxn id="10" idx="0"/>
+            <a:endCxn id="9" idx="4"/>
+          </p:cNvCxnSpPr>
+          <p:nvPr/>
+        </p:nvCxnSpPr>
+        <p:spPr>
+          <a:xfrm flipV="1">
+            <a:off x="3237381" y="2489658"/>
+            <a:ext cx="4135" cy="2785510"/>
+          </a:xfrm>
+          <a:prstGeom prst="straightConnector1">
+            <a:avLst/>
+          </a:prstGeom>
+          <a:ln>
+            <a:solidFill>
+              <a:schemeClr val="tx1"/>
+            </a:solidFill>
+            <a:headEnd type="none" w="med" len="med"/>
+            <a:tailEnd type="arrow"/>
+          </a:ln>
+          <a:effectLst/>
+        </p:spPr>
+        <p:style>
+          <a:lnRef idx="2">
+            <a:schemeClr val="accent1"/>
+          </a:lnRef>
+          <a:fillRef idx="0">
+            <a:schemeClr val="accent1"/>
+          </a:fillRef>
+          <a:effectRef idx="1">
+            <a:schemeClr val="accent1"/>
+          </a:effectRef>
+          <a:fontRef idx="minor">
+            <a:schemeClr val="tx1"/>
+          </a:fontRef>
+        </p:style>
+      </p:cxnSp>
+      <p:cxnSp>
+        <p:nvCxnSpPr>
+          <p:cNvPr id="25" name="Straight Arrow Connector 24"/>
+          <p:cNvCxnSpPr>
+            <a:stCxn id="9" idx="3"/>
+            <a:endCxn id="8" idx="7"/>
+          </p:cNvCxnSpPr>
+          <p:nvPr/>
+        </p:nvCxnSpPr>
+        <p:spPr>
+          <a:xfrm flipH="1">
+            <a:off x="835369" y="2395523"/>
+            <a:ext cx="2178885" cy="2973780"/>
+          </a:xfrm>
+          <a:prstGeom prst="straightConnector1">
+            <a:avLst/>
+          </a:prstGeom>
+          <a:ln>
+            <a:solidFill>
+              <a:schemeClr val="tx1"/>
+            </a:solidFill>
+            <a:headEnd type="none" w="med" len="med"/>
+            <a:tailEnd type="arrow"/>
+          </a:ln>
+          <a:effectLst/>
+        </p:spPr>
+        <p:style>
+          <a:lnRef idx="2">
+            <a:schemeClr val="accent1"/>
+          </a:lnRef>
+          <a:fillRef idx="0">
+            <a:schemeClr val="accent1"/>
+          </a:fillRef>
+          <a:effectRef idx="1">
+            <a:schemeClr val="accent1"/>
+          </a:effectRef>
+          <a:fontRef idx="minor">
+            <a:schemeClr val="tx1"/>
+          </a:fontRef>
+        </p:style>
+      </p:cxnSp>
       <p:sp>
         <p:nvSpPr>
           <p:cNvPr id="26" name="TextBox 25"/>
@@ -15634,6 +15622,455 @@
               </a:rPr>
               <a:t>Edge Table</a:t>
             </a:r>
+          </a:p>
+        </p:txBody>
+      </p:sp>
+      <p:sp>
+        <p:nvSpPr>
+          <p:cNvPr id="32" name="Rounded Rectangle 31"/>
+          <p:cNvSpPr/>
+          <p:nvPr/>
+        </p:nvSpPr>
+        <p:spPr>
+          <a:xfrm>
+            <a:off x="726854" y="2281519"/>
+            <a:ext cx="990600" cy="640080"/>
+          </a:xfrm>
+          <a:prstGeom prst="roundRect">
+            <a:avLst/>
+          </a:prstGeom>
+        </p:spPr>
+        <p:style>
+          <a:lnRef idx="1">
+            <a:schemeClr val="accent1"/>
+          </a:lnRef>
+          <a:fillRef idx="3">
+            <a:schemeClr val="accent1"/>
+          </a:fillRef>
+          <a:effectRef idx="2">
+            <a:schemeClr val="accent1"/>
+          </a:effectRef>
+          <a:fontRef idx="minor">
+            <a:schemeClr val="lt1"/>
+          </a:fontRef>
+        </p:style>
+        <p:txBody>
+          <a:bodyPr rtlCol="0" anchor="ctr"/>
+          <a:lstStyle/>
+          <a:p>
+            <a:r>
+              <a:rPr lang="en-US" dirty="0" err="1" smtClean="0">
+                <a:latin typeface="Gill Sans Light"/>
+                <a:cs typeface="Gill Sans Light"/>
+              </a:rPr>
+              <a:t>Rxin</a:t>
+            </a:r>
+            <a:r>
+              <a:rPr lang="en-US" dirty="0" smtClean="0">
+                <a:latin typeface="Gill Sans Light"/>
+                <a:cs typeface="Gill Sans Light"/>
+              </a:rPr>
+              <a:t> </a:t>
+            </a:r>
+            <a:r>
+              <a:rPr lang="en-US" dirty="0" err="1" smtClean="0">
+                <a:latin typeface="Gill Sans Light"/>
+                <a:cs typeface="Gill Sans Light"/>
+              </a:rPr>
+              <a:t>stu</a:t>
+            </a:r>
+            <a:r>
+              <a:rPr lang="en-US" dirty="0" smtClean="0">
+                <a:latin typeface="Gill Sans Light"/>
+                <a:cs typeface="Gill Sans Light"/>
+              </a:rPr>
+              <a:t>.</a:t>
+            </a:r>
+            <a:endParaRPr lang="en-US" dirty="0">
+              <a:latin typeface="Gill Sans Light"/>
+              <a:cs typeface="Gill Sans Light"/>
+            </a:endParaRPr>
+          </a:p>
+        </p:txBody>
+      </p:sp>
+      <p:sp>
+        <p:nvSpPr>
+          <p:cNvPr id="35" name="Rounded Rectangle 34"/>
+          <p:cNvSpPr/>
+          <p:nvPr/>
+        </p:nvSpPr>
+        <p:spPr>
+          <a:xfrm>
+            <a:off x="3352800" y="2284694"/>
+            <a:ext cx="990600" cy="640080"/>
+          </a:xfrm>
+          <a:prstGeom prst="roundRect">
+            <a:avLst/>
+          </a:prstGeom>
+        </p:spPr>
+        <p:style>
+          <a:lnRef idx="1">
+            <a:schemeClr val="accent1"/>
+          </a:lnRef>
+          <a:fillRef idx="3">
+            <a:schemeClr val="accent1"/>
+          </a:fillRef>
+          <a:effectRef idx="2">
+            <a:schemeClr val="accent1"/>
+          </a:effectRef>
+          <a:fontRef idx="minor">
+            <a:schemeClr val="lt1"/>
+          </a:fontRef>
+        </p:style>
+        <p:txBody>
+          <a:bodyPr rtlCol="0" anchor="ctr"/>
+          <a:lstStyle/>
+          <a:p>
+            <a:r>
+              <a:rPr lang="en-US" dirty="0" smtClean="0">
+                <a:latin typeface="Gill Sans Light"/>
+                <a:cs typeface="Gill Sans Light"/>
+              </a:rPr>
+              <a:t>franklin, prof.</a:t>
+            </a:r>
+            <a:endParaRPr lang="en-US" dirty="0">
+              <a:latin typeface="Gill Sans Light"/>
+              <a:cs typeface="Gill Sans Light"/>
+            </a:endParaRPr>
+          </a:p>
+        </p:txBody>
+      </p:sp>
+      <p:sp>
+        <p:nvSpPr>
+          <p:cNvPr id="36" name="Rounded Rectangle 35"/>
+          <p:cNvSpPr/>
+          <p:nvPr/>
+        </p:nvSpPr>
+        <p:spPr>
+          <a:xfrm>
+            <a:off x="3352800" y="5691187"/>
+            <a:ext cx="990600" cy="640080"/>
+          </a:xfrm>
+          <a:prstGeom prst="roundRect">
+            <a:avLst/>
+          </a:prstGeom>
+        </p:spPr>
+        <p:style>
+          <a:lnRef idx="1">
+            <a:schemeClr val="accent1"/>
+          </a:lnRef>
+          <a:fillRef idx="3">
+            <a:schemeClr val="accent1"/>
+          </a:fillRef>
+          <a:effectRef idx="2">
+            <a:schemeClr val="accent1"/>
+          </a:effectRef>
+          <a:fontRef idx="minor">
+            <a:schemeClr val="lt1"/>
+          </a:fontRef>
+        </p:style>
+        <p:txBody>
+          <a:bodyPr rtlCol="0" anchor="ctr"/>
+          <a:lstStyle/>
+          <a:p>
+            <a:r>
+              <a:rPr lang="en-US" dirty="0" err="1">
+                <a:latin typeface="Gill Sans Light"/>
+                <a:cs typeface="Gill Sans Light"/>
+              </a:rPr>
+              <a:t>i</a:t>
+            </a:r>
+            <a:r>
+              <a:rPr lang="en-US" dirty="0" err="1" smtClean="0">
+                <a:latin typeface="Gill Sans Light"/>
+                <a:cs typeface="Gill Sans Light"/>
+              </a:rPr>
+              <a:t>stoica</a:t>
+            </a:r>
+            <a:endParaRPr lang="en-US" dirty="0" smtClean="0">
+              <a:latin typeface="Gill Sans Light"/>
+              <a:cs typeface="Gill Sans Light"/>
+            </a:endParaRPr>
+          </a:p>
+          <a:p>
+            <a:r>
+              <a:rPr lang="en-US" dirty="0" smtClean="0">
+                <a:latin typeface="Gill Sans Light"/>
+                <a:cs typeface="Gill Sans Light"/>
+              </a:rPr>
+              <a:t>prof.</a:t>
+            </a:r>
+            <a:endParaRPr lang="en-US" dirty="0">
+              <a:latin typeface="Gill Sans Light"/>
+              <a:cs typeface="Gill Sans Light"/>
+            </a:endParaRPr>
+          </a:p>
+        </p:txBody>
+      </p:sp>
+      <p:sp>
+        <p:nvSpPr>
+          <p:cNvPr id="37" name="Rounded Rectangle 36"/>
+          <p:cNvSpPr/>
+          <p:nvPr/>
+        </p:nvSpPr>
+        <p:spPr>
+          <a:xfrm>
+            <a:off x="726854" y="5691187"/>
+            <a:ext cx="990600" cy="640080"/>
+          </a:xfrm>
+          <a:prstGeom prst="roundRect">
+            <a:avLst/>
+          </a:prstGeom>
+        </p:spPr>
+        <p:style>
+          <a:lnRef idx="1">
+            <a:schemeClr val="accent1"/>
+          </a:lnRef>
+          <a:fillRef idx="3">
+            <a:schemeClr val="accent1"/>
+          </a:fillRef>
+          <a:effectRef idx="2">
+            <a:schemeClr val="accent1"/>
+          </a:effectRef>
+          <a:fontRef idx="minor">
+            <a:schemeClr val="lt1"/>
+          </a:fontRef>
+        </p:style>
+        <p:txBody>
+          <a:bodyPr rtlCol="0" anchor="ctr"/>
+          <a:lstStyle/>
+          <a:p>
+            <a:r>
+              <a:rPr lang="en-US" dirty="0" err="1">
+                <a:latin typeface="Gill Sans Light"/>
+                <a:cs typeface="Gill Sans Light"/>
+              </a:rPr>
+              <a:t>jgonzal</a:t>
+            </a:r>
+            <a:r>
+              <a:rPr lang="en-US" dirty="0">
+                <a:latin typeface="Gill Sans Light"/>
+                <a:cs typeface="Gill Sans Light"/>
+              </a:rPr>
+              <a:t>, </a:t>
+            </a:r>
+            <a:r>
+              <a:rPr lang="en-US" dirty="0" err="1" smtClean="0">
+                <a:latin typeface="Gill Sans Light"/>
+                <a:cs typeface="Gill Sans Light"/>
+              </a:rPr>
+              <a:t>pst.doc</a:t>
+            </a:r>
+            <a:r>
+              <a:rPr lang="en-US" dirty="0" smtClean="0">
+                <a:latin typeface="Gill Sans Light"/>
+                <a:cs typeface="Gill Sans Light"/>
+              </a:rPr>
+              <a:t>.</a:t>
+            </a:r>
+            <a:endParaRPr lang="en-US" dirty="0">
+              <a:latin typeface="Gill Sans Light"/>
+              <a:cs typeface="Gill Sans Light"/>
+            </a:endParaRPr>
+          </a:p>
+        </p:txBody>
+      </p:sp>
+      <p:sp>
+        <p:nvSpPr>
+          <p:cNvPr id="38" name="Rounded Rectangle 37"/>
+          <p:cNvSpPr/>
+          <p:nvPr/>
+        </p:nvSpPr>
+        <p:spPr>
+          <a:xfrm rot="5400000">
+            <a:off x="427479" y="3613558"/>
+            <a:ext cx="990600" cy="391851"/>
+          </a:xfrm>
+          <a:prstGeom prst="roundRect">
+            <a:avLst/>
+          </a:prstGeom>
+        </p:spPr>
+        <p:style>
+          <a:lnRef idx="1">
+            <a:schemeClr val="accent6"/>
+          </a:lnRef>
+          <a:fillRef idx="3">
+            <a:schemeClr val="accent6"/>
+          </a:fillRef>
+          <a:effectRef idx="2">
+            <a:schemeClr val="accent6"/>
+          </a:effectRef>
+          <a:fontRef idx="minor">
+            <a:schemeClr val="lt1"/>
+          </a:fontRef>
+        </p:style>
+        <p:txBody>
+          <a:bodyPr rtlCol="0" anchor="ctr"/>
+          <a:lstStyle/>
+          <a:p>
+            <a:pPr algn="ctr"/>
+            <a:r>
+              <a:rPr lang="en-US" dirty="0" err="1" smtClean="0">
+                <a:latin typeface="Gill Sans Light"/>
+                <a:cs typeface="Gill Sans Light"/>
+              </a:rPr>
+              <a:t>Collab</a:t>
+            </a:r>
+            <a:r>
+              <a:rPr lang="en-US" dirty="0" smtClean="0">
+                <a:latin typeface="Gill Sans Light"/>
+                <a:cs typeface="Gill Sans Light"/>
+              </a:rPr>
+              <a:t>.</a:t>
+            </a:r>
+            <a:endParaRPr lang="en-US" dirty="0">
+              <a:latin typeface="Gill Sans Light"/>
+              <a:cs typeface="Gill Sans Light"/>
+            </a:endParaRPr>
+          </a:p>
+        </p:txBody>
+      </p:sp>
+      <p:sp>
+        <p:nvSpPr>
+          <p:cNvPr id="39" name="Rounded Rectangle 38"/>
+          <p:cNvSpPr/>
+          <p:nvPr/>
+        </p:nvSpPr>
+        <p:spPr>
+          <a:xfrm rot="18508927">
+            <a:off x="1222154" y="3454147"/>
+            <a:ext cx="990600" cy="391851"/>
+          </a:xfrm>
+          <a:prstGeom prst="roundRect">
+            <a:avLst/>
+          </a:prstGeom>
+        </p:spPr>
+        <p:style>
+          <a:lnRef idx="1">
+            <a:schemeClr val="accent6"/>
+          </a:lnRef>
+          <a:fillRef idx="3">
+            <a:schemeClr val="accent6"/>
+          </a:fillRef>
+          <a:effectRef idx="2">
+            <a:schemeClr val="accent6"/>
+          </a:effectRef>
+          <a:fontRef idx="minor">
+            <a:schemeClr val="lt1"/>
+          </a:fontRef>
+        </p:style>
+        <p:txBody>
+          <a:bodyPr rtlCol="0" anchor="ctr"/>
+          <a:lstStyle/>
+          <a:p>
+            <a:pPr algn="ctr"/>
+            <a:r>
+              <a:rPr lang="en-US" dirty="0" smtClean="0">
+                <a:latin typeface="Gill Sans Light"/>
+                <a:cs typeface="Gill Sans Light"/>
+              </a:rPr>
+              <a:t>PI</a:t>
+            </a:r>
+            <a:endParaRPr lang="en-US" dirty="0">
+              <a:latin typeface="Gill Sans Light"/>
+              <a:cs typeface="Gill Sans Light"/>
+            </a:endParaRPr>
+          </a:p>
+        </p:txBody>
+      </p:sp>
+      <p:sp>
+        <p:nvSpPr>
+          <p:cNvPr id="40" name="Rounded Rectangle 39"/>
+          <p:cNvSpPr/>
+          <p:nvPr/>
+        </p:nvSpPr>
+        <p:spPr>
+          <a:xfrm>
+            <a:off x="1490282" y="1668872"/>
+            <a:ext cx="990600" cy="391851"/>
+          </a:xfrm>
+          <a:prstGeom prst="roundRect">
+            <a:avLst/>
+          </a:prstGeom>
+        </p:spPr>
+        <p:style>
+          <a:lnRef idx="1">
+            <a:schemeClr val="accent6"/>
+          </a:lnRef>
+          <a:fillRef idx="3">
+            <a:schemeClr val="accent6"/>
+          </a:fillRef>
+          <a:effectRef idx="2">
+            <a:schemeClr val="accent6"/>
+          </a:effectRef>
+          <a:fontRef idx="minor">
+            <a:schemeClr val="lt1"/>
+          </a:fontRef>
+        </p:style>
+        <p:txBody>
+          <a:bodyPr rtlCol="0" anchor="ctr"/>
+          <a:lstStyle/>
+          <a:p>
+            <a:pPr algn="ctr"/>
+            <a:r>
+              <a:rPr lang="en-US" dirty="0" smtClean="0">
+                <a:latin typeface="Gill Sans Light"/>
+                <a:cs typeface="Gill Sans Light"/>
+              </a:rPr>
+              <a:t>Advisor</a:t>
+            </a:r>
+            <a:endParaRPr lang="en-US" dirty="0">
+              <a:latin typeface="Gill Sans Light"/>
+              <a:cs typeface="Gill Sans Light"/>
+            </a:endParaRPr>
+          </a:p>
+        </p:txBody>
+      </p:sp>
+      <p:sp>
+        <p:nvSpPr>
+          <p:cNvPr id="41" name="Rounded Rectangle 40"/>
+          <p:cNvSpPr/>
+          <p:nvPr/>
+        </p:nvSpPr>
+        <p:spPr>
+          <a:xfrm rot="5400000">
+            <a:off x="2891599" y="3807394"/>
+            <a:ext cx="1292549" cy="391851"/>
+          </a:xfrm>
+          <a:prstGeom prst="roundRect">
+            <a:avLst/>
+          </a:prstGeom>
+        </p:spPr>
+        <p:style>
+          <a:lnRef idx="1">
+            <a:schemeClr val="accent6"/>
+          </a:lnRef>
+          <a:fillRef idx="3">
+            <a:schemeClr val="accent6"/>
+          </a:fillRef>
+          <a:effectRef idx="2">
+            <a:schemeClr val="accent6"/>
+          </a:effectRef>
+          <a:fontRef idx="minor">
+            <a:schemeClr val="lt1"/>
+          </a:fontRef>
+        </p:style>
+        <p:txBody>
+          <a:bodyPr rtlCol="0" anchor="ctr"/>
+          <a:lstStyle/>
+          <a:p>
+            <a:pPr algn="ctr"/>
+            <a:r>
+              <a:rPr lang="en-US" dirty="0" smtClean="0">
+                <a:latin typeface="Gill Sans Light"/>
+                <a:cs typeface="Gill Sans Light"/>
+              </a:rPr>
+              <a:t>Colleague</a:t>
+            </a:r>
+            <a:endParaRPr lang="en-US" dirty="0">
+              <a:latin typeface="Gill Sans Light"/>
+              <a:cs typeface="Gill Sans Light"/>
+            </a:endParaRPr>
           </a:p>
         </p:txBody>
       </p:sp>
@@ -38809,4 +39246,324 @@
   </a:objectDefaults>
   <a:extraClrSchemeLst/>
 </a:theme>
+</file>
+
+<file path=ppt/theme/theme2.xml><?xml version="1.0" encoding="utf-8"?>
+<a:theme xmlns:a="http://schemas.openxmlformats.org/drawingml/2006/main" name="Office Theme">
+  <a:themeElements>
+    <a:clrScheme name="Office">
+      <a:dk1>
+        <a:sysClr val="windowText" lastClr="000000"/>
+      </a:dk1>
+      <a:lt1>
+        <a:sysClr val="window" lastClr="FFFFFF"/>
+      </a:lt1>
+      <a:dk2>
+        <a:srgbClr val="1F497D"/>
+      </a:dk2>
+      <a:lt2>
+        <a:srgbClr val="EEECE1"/>
+      </a:lt2>
+      <a:accent1>
+        <a:srgbClr val="4F81BD"/>
+      </a:accent1>
+      <a:accent2>
+        <a:srgbClr val="C0504D"/>
+      </a:accent2>
+      <a:accent3>
+        <a:srgbClr val="9BBB59"/>
+      </a:accent3>
+      <a:accent4>
+        <a:srgbClr val="8064A2"/>
+      </a:accent4>
+      <a:accent5>
+        <a:srgbClr val="4BACC6"/>
+      </a:accent5>
+      <a:accent6>
+        <a:srgbClr val="F79646"/>
+      </a:accent6>
+      <a:hlink>
+        <a:srgbClr val="0000FF"/>
+      </a:hlink>
+      <a:folHlink>
+        <a:srgbClr val="800080"/>
+      </a:folHlink>
+    </a:clrScheme>
+    <a:fontScheme name="Office">
+      <a:majorFont>
+        <a:latin typeface="Calibri"/>
+        <a:ea typeface=""/>
+        <a:cs typeface=""/>
+        <a:font script="Jpan" typeface="ＭＳ Ｐゴシック"/>
+        <a:font script="Hang" typeface="맑은 고딕"/>
+        <a:font script="Hans" typeface="宋体"/>
+        <a:font script="Hant" typeface="新細明體"/>
+        <a:font script="Arab" typeface="Times New Roman"/>
+        <a:font script="Hebr" typeface="Times New Roman"/>
+        <a:font script="Thai" typeface="Angsana New"/>
+        <a:font script="Ethi" typeface="Nyala"/>
+        <a:font script="Beng" typeface="Vrinda"/>
+        <a:font script="Gujr" typeface="Shruti"/>
+        <a:font script="Khmr" typeface="MoolBoran"/>
+        <a:font script="Knda" typeface="Tunga"/>
+        <a:font script="Guru" typeface="Raavi"/>
+        <a:font script="Cans" typeface="Euphemia"/>
+        <a:font script="Cher" typeface="Plantagenet Cherokee"/>
+        <a:font script="Yiii" typeface="Microsoft Yi Baiti"/>
+        <a:font script="Tibt" typeface="Microsoft Himalaya"/>
+        <a:font script="Thaa" typeface="MV Boli"/>
+        <a:font script="Deva" typeface="Mangal"/>
+        <a:font script="Telu" typeface="Gautami"/>
+        <a:font script="Taml" typeface="Latha"/>
+        <a:font script="Syrc" typeface="Estrangelo Edessa"/>
+        <a:font script="Orya" typeface="Kalinga"/>
+        <a:font script="Mlym" typeface="Kartika"/>
+        <a:font script="Laoo" typeface="DokChampa"/>
+        <a:font script="Sinh" typeface="Iskoola Pota"/>
+        <a:font script="Mong" typeface="Mongolian Baiti"/>
+        <a:font script="Viet" typeface="Times New Roman"/>
+        <a:font script="Uigh" typeface="Microsoft Uighur"/>
+        <a:font script="Geor" typeface="Sylfaen"/>
+      </a:majorFont>
+      <a:minorFont>
+        <a:latin typeface="Calibri"/>
+        <a:ea typeface=""/>
+        <a:cs typeface=""/>
+        <a:font script="Jpan" typeface="ＭＳ Ｐゴシック"/>
+        <a:font script="Hang" typeface="맑은 고딕"/>
+        <a:font script="Hans" typeface="宋体"/>
+        <a:font script="Hant" typeface="新細明體"/>
+        <a:font script="Arab" typeface="Arial"/>
+        <a:font script="Hebr" typeface="Arial"/>
+        <a:font script="Thai" typeface="Cordia New"/>
+        <a:font script="Ethi" typeface="Nyala"/>
+        <a:font script="Beng" typeface="Vrinda"/>
+        <a:font script="Gujr" typeface="Shruti"/>
+        <a:font script="Khmr" typeface="DaunPenh"/>
+        <a:font script="Knda" typeface="Tunga"/>
+        <a:font script="Guru" typeface="Raavi"/>
+        <a:font script="Cans" typeface="Euphemia"/>
+        <a:font script="Cher" typeface="Plantagenet Cherokee"/>
+        <a:font script="Yiii" typeface="Microsoft Yi Baiti"/>
+        <a:font script="Tibt" typeface="Microsoft Himalaya"/>
+        <a:font script="Thaa" typeface="MV Boli"/>
+        <a:font script="Deva" typeface="Mangal"/>
+        <a:font script="Telu" typeface="Gautami"/>
+        <a:font script="Taml" typeface="Latha"/>
+        <a:font script="Syrc" typeface="Estrangelo Edessa"/>
+        <a:font script="Orya" typeface="Kalinga"/>
+        <a:font script="Mlym" typeface="Kartika"/>
+        <a:font script="Laoo" typeface="DokChampa"/>
+        <a:font script="Sinh" typeface="Iskoola Pota"/>
+        <a:font script="Mong" typeface="Mongolian Baiti"/>
+        <a:font script="Viet" typeface="Arial"/>
+        <a:font script="Uigh" typeface="Microsoft Uighur"/>
+        <a:font script="Geor" typeface="Sylfaen"/>
+      </a:minorFont>
+    </a:fontScheme>
+    <a:fmtScheme name="Office">
+      <a:fillStyleLst>
+        <a:solidFill>
+          <a:schemeClr val="phClr"/>
+        </a:solidFill>
+        <a:gradFill rotWithShape="1">
+          <a:gsLst>
+            <a:gs pos="0">
+              <a:schemeClr val="phClr">
+                <a:tint val="50000"/>
+                <a:satMod val="300000"/>
+              </a:schemeClr>
+            </a:gs>
+            <a:gs pos="35000">
+              <a:schemeClr val="phClr">
+                <a:tint val="37000"/>
+                <a:satMod val="300000"/>
+              </a:schemeClr>
+            </a:gs>
+            <a:gs pos="100000">
+              <a:schemeClr val="phClr">
+                <a:tint val="15000"/>
+                <a:satMod val="350000"/>
+              </a:schemeClr>
+            </a:gs>
+          </a:gsLst>
+          <a:lin ang="16200000" scaled="1"/>
+        </a:gradFill>
+        <a:gradFill rotWithShape="1">
+          <a:gsLst>
+            <a:gs pos="0">
+              <a:schemeClr val="phClr">
+                <a:tint val="100000"/>
+                <a:shade val="100000"/>
+                <a:satMod val="130000"/>
+              </a:schemeClr>
+            </a:gs>
+            <a:gs pos="100000">
+              <a:schemeClr val="phClr">
+                <a:tint val="50000"/>
+                <a:shade val="100000"/>
+                <a:satMod val="350000"/>
+              </a:schemeClr>
+            </a:gs>
+          </a:gsLst>
+          <a:lin ang="16200000" scaled="0"/>
+        </a:gradFill>
+      </a:fillStyleLst>
+      <a:lnStyleLst>
+        <a:ln w="9525" cap="flat" cmpd="sng" algn="ctr">
+          <a:solidFill>
+            <a:schemeClr val="phClr">
+              <a:shade val="95000"/>
+              <a:satMod val="105000"/>
+            </a:schemeClr>
+          </a:solidFill>
+          <a:prstDash val="solid"/>
+        </a:ln>
+        <a:ln w="25400" cap="flat" cmpd="sng" algn="ctr">
+          <a:solidFill>
+            <a:schemeClr val="phClr"/>
+          </a:solidFill>
+          <a:prstDash val="solid"/>
+        </a:ln>
+        <a:ln w="38100" cap="flat" cmpd="sng" algn="ctr">
+          <a:solidFill>
+            <a:schemeClr val="phClr"/>
+          </a:solidFill>
+          <a:prstDash val="solid"/>
+        </a:ln>
+      </a:lnStyleLst>
+      <a:effectStyleLst>
+        <a:effectStyle>
+          <a:effectLst>
+            <a:outerShdw blurRad="40000" dist="20000" dir="5400000" rotWithShape="0">
+              <a:srgbClr val="000000">
+                <a:alpha val="38000"/>
+              </a:srgbClr>
+            </a:outerShdw>
+          </a:effectLst>
+        </a:effectStyle>
+        <a:effectStyle>
+          <a:effectLst>
+            <a:outerShdw blurRad="40000" dist="23000" dir="5400000" rotWithShape="0">
+              <a:srgbClr val="000000">
+                <a:alpha val="35000"/>
+              </a:srgbClr>
+            </a:outerShdw>
+          </a:effectLst>
+        </a:effectStyle>
+        <a:effectStyle>
+          <a:effectLst>
+            <a:outerShdw blurRad="40000" dist="23000" dir="5400000" rotWithShape="0">
+              <a:srgbClr val="000000">
+                <a:alpha val="35000"/>
+              </a:srgbClr>
+            </a:outerShdw>
+          </a:effectLst>
+          <a:scene3d>
+            <a:camera prst="orthographicFront">
+              <a:rot lat="0" lon="0" rev="0"/>
+            </a:camera>
+            <a:lightRig rig="threePt" dir="t">
+              <a:rot lat="0" lon="0" rev="1200000"/>
+            </a:lightRig>
+          </a:scene3d>
+          <a:sp3d>
+            <a:bevelT w="63500" h="25400"/>
+          </a:sp3d>
+        </a:effectStyle>
+      </a:effectStyleLst>
+      <a:bgFillStyleLst>
+        <a:solidFill>
+          <a:schemeClr val="phClr"/>
+        </a:solidFill>
+        <a:gradFill rotWithShape="1">
+          <a:gsLst>
+            <a:gs pos="0">
+              <a:schemeClr val="phClr">
+                <a:tint val="40000"/>
+                <a:satMod val="350000"/>
+              </a:schemeClr>
+            </a:gs>
+            <a:gs pos="40000">
+              <a:schemeClr val="phClr">
+                <a:tint val="45000"/>
+                <a:shade val="99000"/>
+                <a:satMod val="350000"/>
+              </a:schemeClr>
+            </a:gs>
+            <a:gs pos="100000">
+              <a:schemeClr val="phClr">
+                <a:shade val="20000"/>
+                <a:satMod val="255000"/>
+              </a:schemeClr>
+            </a:gs>
+          </a:gsLst>
+          <a:path path="circle">
+            <a:fillToRect l="50000" t="-80000" r="50000" b="180000"/>
+          </a:path>
+        </a:gradFill>
+        <a:gradFill rotWithShape="1">
+          <a:gsLst>
+            <a:gs pos="0">
+              <a:schemeClr val="phClr">
+                <a:tint val="80000"/>
+                <a:satMod val="300000"/>
+              </a:schemeClr>
+            </a:gs>
+            <a:gs pos="100000">
+              <a:schemeClr val="phClr">
+                <a:shade val="30000"/>
+                <a:satMod val="200000"/>
+              </a:schemeClr>
+            </a:gs>
+          </a:gsLst>
+          <a:path path="circle">
+            <a:fillToRect l="50000" t="50000" r="50000" b="50000"/>
+          </a:path>
+        </a:gradFill>
+      </a:bgFillStyleLst>
+    </a:fmtScheme>
+  </a:themeElements>
+  <a:objectDefaults>
+    <a:spDef>
+      <a:spPr/>
+      <a:bodyPr/>
+      <a:lstStyle/>
+      <a:style>
+        <a:lnRef idx="1">
+          <a:schemeClr val="accent1"/>
+        </a:lnRef>
+        <a:fillRef idx="3">
+          <a:schemeClr val="accent1"/>
+        </a:fillRef>
+        <a:effectRef idx="2">
+          <a:schemeClr val="accent1"/>
+        </a:effectRef>
+        <a:fontRef idx="minor">
+          <a:schemeClr val="lt1"/>
+        </a:fontRef>
+      </a:style>
+    </a:spDef>
+    <a:lnDef>
+      <a:spPr/>
+      <a:bodyPr/>
+      <a:lstStyle/>
+      <a:style>
+        <a:lnRef idx="2">
+          <a:schemeClr val="accent1"/>
+        </a:lnRef>
+        <a:fillRef idx="0">
+          <a:schemeClr val="accent1"/>
+        </a:fillRef>
+        <a:effectRef idx="1">
+          <a:schemeClr val="accent1"/>
+        </a:effectRef>
+        <a:fontRef idx="minor">
+          <a:schemeClr val="tx1"/>
+        </a:fontRef>
+      </a:style>
+    </a:lnDef>
+  </a:objectDefaults>
+  <a:extraClrSchemeLst/>
+</a:theme>
 </file>
--- a/docs/img/graphx_figures.pptx
+++ b/docs/img/graphx_figures.pptx
@@ -15663,15 +15663,14 @@
                 <a:latin typeface="Gill Sans Light"/>
                 <a:cs typeface="Gill Sans Light"/>
               </a:rPr>
-              <a:t>Rxin</a:t>
+              <a:t>rxin</a:t>
             </a:r>
-            <a:r>
-              <a:rPr lang="en-US" dirty="0" smtClean="0">
-                <a:latin typeface="Gill Sans Light"/>
-                <a:cs typeface="Gill Sans Light"/>
-              </a:rPr>
-              <a:t> </a:t>
-            </a:r>
+            <a:endParaRPr lang="en-US" dirty="0">
+              <a:latin typeface="Gill Sans Light"/>
+              <a:cs typeface="Gill Sans Light"/>
+            </a:endParaRPr>
+          </a:p>
+          <a:p>
             <a:r>
               <a:rPr lang="en-US" dirty="0" err="1" smtClean="0">
                 <a:latin typeface="Gill Sans Light"/>
